--- a/lecture-presentations/2019-01-15.pptx
+++ b/lecture-presentations/2019-01-15.pptx
@@ -5,7 +5,7 @@
     <p:sldMasterId id="2147483648" r:id="rId1"/>
   </p:sldMasterIdLst>
   <p:notesMasterIdLst>
-    <p:notesMasterId r:id="rId21"/>
+    <p:notesMasterId r:id="rId18"/>
   </p:notesMasterIdLst>
   <p:sldIdLst>
     <p:sldId id="305" r:id="rId2"/>
@@ -18,15 +18,12 @@
     <p:sldId id="262" r:id="rId9"/>
     <p:sldId id="264" r:id="rId10"/>
     <p:sldId id="311" r:id="rId11"/>
-    <p:sldId id="320" r:id="rId12"/>
-    <p:sldId id="502" r:id="rId13"/>
-    <p:sldId id="314" r:id="rId14"/>
-    <p:sldId id="307" r:id="rId15"/>
-    <p:sldId id="315" r:id="rId16"/>
-    <p:sldId id="318" r:id="rId17"/>
-    <p:sldId id="271" r:id="rId18"/>
-    <p:sldId id="312" r:id="rId19"/>
-    <p:sldId id="313" r:id="rId20"/>
+    <p:sldId id="503" r:id="rId12"/>
+    <p:sldId id="313" r:id="rId13"/>
+    <p:sldId id="307" r:id="rId14"/>
+    <p:sldId id="315" r:id="rId15"/>
+    <p:sldId id="318" r:id="rId16"/>
+    <p:sldId id="271" r:id="rId17"/>
   </p:sldIdLst>
   <p:sldSz cx="12192000" cy="6858000"/>
   <p:notesSz cx="6858000" cy="9144000"/>
@@ -215,7 +212,7 @@
           <a:p>
             <a:fld id="{A677DEB0-5AA4-49C7-B0AD-AD047A002C4C}" type="datetimeFigureOut">
               <a:rPr lang="en-US" smtClean="0"/>
-              <a:t>1/2/2019</a:t>
+              <a:t>1/11/2019</a:t>
             </a:fld>
             <a:endParaRPr lang="en-US"/>
           </a:p>
@@ -610,28 +607,7 @@
           <a:bodyPr/>
           <a:lstStyle/>
           <a:p>
-            <a:r>
-              <a:rPr lang="en-US" dirty="0"/>
-              <a:t>*Your opportunity to give introductions will come after the syllabus overview.</a:t>
-            </a:r>
-          </a:p>
-          <a:p>
             <a:endParaRPr lang="en-US" dirty="0"/>
-          </a:p>
-          <a:p>
-            <a:r>
-              <a:rPr lang="en-US" dirty="0"/>
-              <a:t>I would like to start our Lab time around 1:45 today… please help me keep us on track.</a:t>
-            </a:r>
-          </a:p>
-          <a:p>
-            <a:endParaRPr lang="en-US" dirty="0"/>
-          </a:p>
-          <a:p>
-            <a:r>
-              <a:rPr lang="en-US" dirty="0"/>
-              <a:t>We will optionally take a 10 minute break at some point.</a:t>
-            </a:r>
           </a:p>
         </p:txBody>
       </p:sp>
@@ -661,7 +637,7 @@
     </p:spTree>
     <p:extLst>
       <p:ext uri="{BB962C8B-B14F-4D97-AF65-F5344CB8AC3E}">
-        <p14:creationId xmlns:p14="http://schemas.microsoft.com/office/powerpoint/2010/main" val="3219289365"/>
+        <p14:creationId xmlns:p14="http://schemas.microsoft.com/office/powerpoint/2010/main" val="3791908270"/>
       </p:ext>
     </p:extLst>
   </p:cSld>
@@ -736,7 +712,7 @@
           <a:p>
             <a:fld id="{5394DE12-7B9B-46AA-AC19-C30A49928B9B}" type="slidenum">
               <a:rPr lang="en-US" smtClean="0"/>
-              <a:t>13</a:t>
+              <a:t>12</a:t>
             </a:fld>
             <a:endParaRPr lang="en-US" dirty="0"/>
           </a:p>
@@ -745,7 +721,7 @@
     </p:spTree>
     <p:extLst>
       <p:ext uri="{BB962C8B-B14F-4D97-AF65-F5344CB8AC3E}">
-        <p14:creationId xmlns:p14="http://schemas.microsoft.com/office/powerpoint/2010/main" val="4275733854"/>
+        <p14:creationId xmlns:p14="http://schemas.microsoft.com/office/powerpoint/2010/main" val="14327604"/>
       </p:ext>
     </p:extLst>
   </p:cSld>
@@ -823,7 +799,7 @@
           <a:p>
             <a:fld id="{23B99BB9-C7F6-43B3-A122-46088ABB36FB}" type="slidenum">
               <a:rPr lang="en-US" smtClean="0"/>
-              <a:t>14</a:t>
+              <a:t>13</a:t>
             </a:fld>
             <a:endParaRPr lang="en-US"/>
           </a:p>
@@ -935,7 +911,7 @@
           <a:p>
             <a:fld id="{5394DE12-7B9B-46AA-AC19-C30A49928B9B}" type="slidenum">
               <a:rPr lang="en-US" smtClean="0"/>
-              <a:t>15</a:t>
+              <a:t>14</a:t>
             </a:fld>
             <a:endParaRPr lang="en-US" dirty="0"/>
           </a:p>
@@ -1019,7 +995,7 @@
           <a:p>
             <a:fld id="{5394DE12-7B9B-46AA-AC19-C30A49928B9B}" type="slidenum">
               <a:rPr lang="en-US" smtClean="0"/>
-              <a:t>17</a:t>
+              <a:t>16</a:t>
             </a:fld>
             <a:endParaRPr lang="en-US" dirty="0"/>
           </a:p>
@@ -1029,174 +1005,6 @@
     <p:extLst>
       <p:ext uri="{BB962C8B-B14F-4D97-AF65-F5344CB8AC3E}">
         <p14:creationId xmlns:p14="http://schemas.microsoft.com/office/powerpoint/2010/main" val="3355459141"/>
-      </p:ext>
-    </p:extLst>
-  </p:cSld>
-  <p:clrMapOvr>
-    <a:masterClrMapping/>
-  </p:clrMapOvr>
-</p:notes>
-</file>
-
-<file path=ppt/notesSlides/notesSlide15.xml><?xml version="1.0" encoding="utf-8"?>
-<p:notes xmlns:a="http://schemas.openxmlformats.org/drawingml/2006/main" xmlns:r="http://schemas.openxmlformats.org/officeDocument/2006/relationships" xmlns:p="http://schemas.openxmlformats.org/presentationml/2006/main">
-  <p:cSld>
-    <p:spTree>
-      <p:nvGrpSpPr>
-        <p:cNvPr id="1" name=""/>
-        <p:cNvGrpSpPr/>
-        <p:nvPr/>
-      </p:nvGrpSpPr>
-      <p:grpSpPr>
-        <a:xfrm>
-          <a:off x="0" y="0"/>
-          <a:ext cx="0" cy="0"/>
-          <a:chOff x="0" y="0"/>
-          <a:chExt cx="0" cy="0"/>
-        </a:xfrm>
-      </p:grpSpPr>
-      <p:sp>
-        <p:nvSpPr>
-          <p:cNvPr id="2" name="Slide Image Placeholder 1"/>
-          <p:cNvSpPr>
-            <a:spLocks noGrp="1" noRot="1" noChangeAspect="1"/>
-          </p:cNvSpPr>
-          <p:nvPr>
-            <p:ph type="sldImg"/>
-          </p:nvPr>
-        </p:nvSpPr>
-        <p:spPr/>
-      </p:sp>
-      <p:sp>
-        <p:nvSpPr>
-          <p:cNvPr id="3" name="Notes Placeholder 2"/>
-          <p:cNvSpPr>
-            <a:spLocks noGrp="1"/>
-          </p:cNvSpPr>
-          <p:nvPr>
-            <p:ph type="body" idx="1"/>
-          </p:nvPr>
-        </p:nvSpPr>
-        <p:spPr/>
-        <p:txBody>
-          <a:bodyPr/>
-          <a:lstStyle/>
-          <a:p>
-            <a:endParaRPr lang="en-US" dirty="0"/>
-          </a:p>
-        </p:txBody>
-      </p:sp>
-      <p:sp>
-        <p:nvSpPr>
-          <p:cNvPr id="4" name="Slide Number Placeholder 3"/>
-          <p:cNvSpPr>
-            <a:spLocks noGrp="1"/>
-          </p:cNvSpPr>
-          <p:nvPr>
-            <p:ph type="sldNum" sz="quarter" idx="10"/>
-          </p:nvPr>
-        </p:nvSpPr>
-        <p:spPr/>
-        <p:txBody>
-          <a:bodyPr/>
-          <a:lstStyle/>
-          <a:p>
-            <a:fld id="{5394DE12-7B9B-46AA-AC19-C30A49928B9B}" type="slidenum">
-              <a:rPr lang="en-US" smtClean="0"/>
-              <a:t>18</a:t>
-            </a:fld>
-            <a:endParaRPr lang="en-US" dirty="0"/>
-          </a:p>
-        </p:txBody>
-      </p:sp>
-    </p:spTree>
-    <p:extLst>
-      <p:ext uri="{BB962C8B-B14F-4D97-AF65-F5344CB8AC3E}">
-        <p14:creationId xmlns:p14="http://schemas.microsoft.com/office/powerpoint/2010/main" val="3355459141"/>
-      </p:ext>
-    </p:extLst>
-  </p:cSld>
-  <p:clrMapOvr>
-    <a:masterClrMapping/>
-  </p:clrMapOvr>
-</p:notes>
-</file>
-
-<file path=ppt/notesSlides/notesSlide16.xml><?xml version="1.0" encoding="utf-8"?>
-<p:notes xmlns:a="http://schemas.openxmlformats.org/drawingml/2006/main" xmlns:r="http://schemas.openxmlformats.org/officeDocument/2006/relationships" xmlns:p="http://schemas.openxmlformats.org/presentationml/2006/main">
-  <p:cSld>
-    <p:spTree>
-      <p:nvGrpSpPr>
-        <p:cNvPr id="1" name=""/>
-        <p:cNvGrpSpPr/>
-        <p:nvPr/>
-      </p:nvGrpSpPr>
-      <p:grpSpPr>
-        <a:xfrm>
-          <a:off x="0" y="0"/>
-          <a:ext cx="0" cy="0"/>
-          <a:chOff x="0" y="0"/>
-          <a:chExt cx="0" cy="0"/>
-        </a:xfrm>
-      </p:grpSpPr>
-      <p:sp>
-        <p:nvSpPr>
-          <p:cNvPr id="2" name="Slide Image Placeholder 1"/>
-          <p:cNvSpPr>
-            <a:spLocks noGrp="1" noRot="1" noChangeAspect="1"/>
-          </p:cNvSpPr>
-          <p:nvPr>
-            <p:ph type="sldImg"/>
-          </p:nvPr>
-        </p:nvSpPr>
-        <p:spPr/>
-      </p:sp>
-      <p:sp>
-        <p:nvSpPr>
-          <p:cNvPr id="3" name="Notes Placeholder 2"/>
-          <p:cNvSpPr>
-            <a:spLocks noGrp="1"/>
-          </p:cNvSpPr>
-          <p:nvPr>
-            <p:ph type="body" idx="1"/>
-          </p:nvPr>
-        </p:nvSpPr>
-        <p:spPr/>
-        <p:txBody>
-          <a:bodyPr/>
-          <a:lstStyle/>
-          <a:p>
-            <a:endParaRPr lang="en-US" sz="1000" dirty="0"/>
-          </a:p>
-        </p:txBody>
-      </p:sp>
-      <p:sp>
-        <p:nvSpPr>
-          <p:cNvPr id="4" name="Slide Number Placeholder 3"/>
-          <p:cNvSpPr>
-            <a:spLocks noGrp="1"/>
-          </p:cNvSpPr>
-          <p:nvPr>
-            <p:ph type="sldNum" sz="quarter" idx="10"/>
-          </p:nvPr>
-        </p:nvSpPr>
-        <p:spPr/>
-        <p:txBody>
-          <a:bodyPr/>
-          <a:lstStyle/>
-          <a:p>
-            <a:fld id="{5394DE12-7B9B-46AA-AC19-C30A49928B9B}" type="slidenum">
-              <a:rPr lang="en-US" smtClean="0"/>
-              <a:t>19</a:t>
-            </a:fld>
-            <a:endParaRPr lang="en-US" dirty="0"/>
-          </a:p>
-        </p:txBody>
-      </p:sp>
-    </p:spTree>
-    <p:extLst>
-      <p:ext uri="{BB962C8B-B14F-4D97-AF65-F5344CB8AC3E}">
-        <p14:creationId xmlns:p14="http://schemas.microsoft.com/office/powerpoint/2010/main" val="14327604"/>
       </p:ext>
     </p:extLst>
   </p:cSld>
@@ -2133,7 +1941,7 @@
           <a:p>
             <a:fld id="{1B52E0E1-344B-4E26-B5AD-CE86AB802485}" type="datetimeFigureOut">
               <a:rPr lang="en-US" smtClean="0"/>
-              <a:t>1/2/2019</a:t>
+              <a:t>1/11/2019</a:t>
             </a:fld>
             <a:endParaRPr lang="en-US"/>
           </a:p>
@@ -2331,7 +2139,7 @@
           <a:p>
             <a:fld id="{1B52E0E1-344B-4E26-B5AD-CE86AB802485}" type="datetimeFigureOut">
               <a:rPr lang="en-US" smtClean="0"/>
-              <a:t>1/2/2019</a:t>
+              <a:t>1/11/2019</a:t>
             </a:fld>
             <a:endParaRPr lang="en-US"/>
           </a:p>
@@ -2539,7 +2347,7 @@
           <a:p>
             <a:fld id="{1B52E0E1-344B-4E26-B5AD-CE86AB802485}" type="datetimeFigureOut">
               <a:rPr lang="en-US" smtClean="0"/>
-              <a:t>1/2/2019</a:t>
+              <a:t>1/11/2019</a:t>
             </a:fld>
             <a:endParaRPr lang="en-US"/>
           </a:p>
@@ -2737,7 +2545,7 @@
           <a:p>
             <a:fld id="{1B52E0E1-344B-4E26-B5AD-CE86AB802485}" type="datetimeFigureOut">
               <a:rPr lang="en-US" smtClean="0"/>
-              <a:t>1/2/2019</a:t>
+              <a:t>1/11/2019</a:t>
             </a:fld>
             <a:endParaRPr lang="en-US"/>
           </a:p>
@@ -3012,7 +2820,7 @@
           <a:p>
             <a:fld id="{1B52E0E1-344B-4E26-B5AD-CE86AB802485}" type="datetimeFigureOut">
               <a:rPr lang="en-US" smtClean="0"/>
-              <a:t>1/2/2019</a:t>
+              <a:t>1/11/2019</a:t>
             </a:fld>
             <a:endParaRPr lang="en-US"/>
           </a:p>
@@ -3277,7 +3085,7 @@
           <a:p>
             <a:fld id="{1B52E0E1-344B-4E26-B5AD-CE86AB802485}" type="datetimeFigureOut">
               <a:rPr lang="en-US" smtClean="0"/>
-              <a:t>1/2/2019</a:t>
+              <a:t>1/11/2019</a:t>
             </a:fld>
             <a:endParaRPr lang="en-US"/>
           </a:p>
@@ -3689,7 +3497,7 @@
           <a:p>
             <a:fld id="{1B52E0E1-344B-4E26-B5AD-CE86AB802485}" type="datetimeFigureOut">
               <a:rPr lang="en-US" smtClean="0"/>
-              <a:t>1/2/2019</a:t>
+              <a:t>1/11/2019</a:t>
             </a:fld>
             <a:endParaRPr lang="en-US"/>
           </a:p>
@@ -3830,7 +3638,7 @@
           <a:p>
             <a:fld id="{1B52E0E1-344B-4E26-B5AD-CE86AB802485}" type="datetimeFigureOut">
               <a:rPr lang="en-US" smtClean="0"/>
-              <a:t>1/2/2019</a:t>
+              <a:t>1/11/2019</a:t>
             </a:fld>
             <a:endParaRPr lang="en-US"/>
           </a:p>
@@ -3943,7 +3751,7 @@
           <a:p>
             <a:fld id="{1B52E0E1-344B-4E26-B5AD-CE86AB802485}" type="datetimeFigureOut">
               <a:rPr lang="en-US" smtClean="0"/>
-              <a:t>1/2/2019</a:t>
+              <a:t>1/11/2019</a:t>
             </a:fld>
             <a:endParaRPr lang="en-US"/>
           </a:p>
@@ -4254,7 +4062,7 @@
           <a:p>
             <a:fld id="{1B52E0E1-344B-4E26-B5AD-CE86AB802485}" type="datetimeFigureOut">
               <a:rPr lang="en-US" smtClean="0"/>
-              <a:t>1/2/2019</a:t>
+              <a:t>1/11/2019</a:t>
             </a:fld>
             <a:endParaRPr lang="en-US"/>
           </a:p>
@@ -4542,7 +4350,7 @@
           <a:p>
             <a:fld id="{1B52E0E1-344B-4E26-B5AD-CE86AB802485}" type="datetimeFigureOut">
               <a:rPr lang="en-US" smtClean="0"/>
-              <a:t>1/2/2019</a:t>
+              <a:t>1/11/2019</a:t>
             </a:fld>
             <a:endParaRPr lang="en-US"/>
           </a:p>
@@ -4783,7 +4591,7 @@
           <a:p>
             <a:fld id="{1B52E0E1-344B-4E26-B5AD-CE86AB802485}" type="datetimeFigureOut">
               <a:rPr lang="en-US" smtClean="0"/>
-              <a:t>1/2/2019</a:t>
+              <a:t>1/11/2019</a:t>
             </a:fld>
             <a:endParaRPr lang="en-US"/>
           </a:p>
@@ -5282,7 +5090,7 @@
             </a:pPr>
             <a:r>
               <a:rPr lang="en-US" sz="2200" dirty="0"/>
-              <a:t>Agenda for Thursday, January 15 from 2 to 315pm CST:</a:t>
+              <a:t>Agenda for Tuesday, January 15 from 2 to 315pm CST:</a:t>
             </a:r>
           </a:p>
           <a:p>
@@ -5332,7 +5140,7 @@
             </a:pPr>
             <a:r>
               <a:rPr lang="en-US" sz="2200" dirty="0"/>
-              <a:t>Review Weeks 1&amp;2 Activities &amp; Assignments</a:t>
+              <a:t>Review Weeks 1&amp;2 (Sprint 1) Activities &amp; Assignments</a:t>
             </a:r>
           </a:p>
           <a:p>
@@ -5485,7 +5293,7 @@
           <a:p>
             <a:r>
               <a:rPr lang="en-US" sz="4800" dirty="0"/>
-              <a:t>Weeks 1&amp;2 </a:t>
+              <a:t>Weeks 1&amp;2 (Sprint 1)</a:t>
             </a:r>
             <a:br>
               <a:rPr lang="en-US" sz="4800" dirty="0"/>
@@ -5609,7 +5417,7 @@
             </a:pPr>
             <a:r>
               <a:rPr lang="en-US" sz="2200" dirty="0"/>
-              <a:t>Agenda for 27 Aug from 2 to 2:50pm CST:</a:t>
+              <a:t>Agenda for Tuesday, January 15 from 2 to 315pm CST:</a:t>
             </a:r>
           </a:p>
           <a:p>
@@ -5621,7 +5429,7 @@
               <a:rPr lang="en-US" sz="2200" dirty="0">
                 <a:solidFill>
                   <a:schemeClr val="bg1">
-                    <a:lumMod val="65000"/>
+                    <a:lumMod val="75000"/>
                   </a:schemeClr>
                 </a:solidFill>
               </a:rPr>
@@ -5637,7 +5445,7 @@
               <a:rPr lang="en-US" sz="2200" dirty="0">
                 <a:solidFill>
                   <a:schemeClr val="bg1">
-                    <a:lumMod val="65000"/>
+                    <a:lumMod val="75000"/>
                   </a:schemeClr>
                 </a:solidFill>
               </a:rPr>
@@ -5653,7 +5461,7 @@
               <a:rPr lang="en-US" sz="2200" dirty="0">
                 <a:solidFill>
                   <a:schemeClr val="bg1">
-                    <a:lumMod val="65000"/>
+                    <a:lumMod val="75000"/>
                   </a:schemeClr>
                 </a:solidFill>
               </a:rPr>
@@ -5669,7 +5477,7 @@
               <a:rPr lang="en-US" sz="2200" dirty="0">
                 <a:solidFill>
                   <a:schemeClr val="bg1">
-                    <a:lumMod val="65000"/>
+                    <a:lumMod val="75000"/>
                   </a:schemeClr>
                 </a:solidFill>
               </a:rPr>
@@ -5685,11 +5493,11 @@
               <a:rPr lang="en-US" sz="2200" dirty="0">
                 <a:solidFill>
                   <a:schemeClr val="bg1">
-                    <a:lumMod val="65000"/>
+                    <a:lumMod val="75000"/>
                   </a:schemeClr>
                 </a:solidFill>
               </a:rPr>
-              <a:t>Review Weeks 1&amp;2 Activities &amp; Assignments</a:t>
+              <a:t>Review Weeks 1&amp;2 (Sprint 1) Activities &amp; Assignments</a:t>
             </a:r>
           </a:p>
           <a:p>
@@ -5699,7 +5507,7 @@
             </a:pPr>
             <a:r>
               <a:rPr lang="en-US" sz="2200" dirty="0"/>
-              <a:t>Lab: Your turn for Introductions… starting no later than 2:40</a:t>
+              <a:t>Lab… starting no later than 2:45</a:t>
             </a:r>
           </a:p>
           <a:p>
@@ -5791,7 +5599,7 @@
     </p:spTree>
     <p:extLst>
       <p:ext uri="{BB962C8B-B14F-4D97-AF65-F5344CB8AC3E}">
-        <p14:creationId xmlns:p14="http://schemas.microsoft.com/office/powerpoint/2010/main" val="4259355957"/>
+        <p14:creationId xmlns:p14="http://schemas.microsoft.com/office/powerpoint/2010/main" val="1749922940"/>
       </p:ext>
     </p:extLst>
   </p:cSld>
@@ -5820,57 +5628,18 @@
       </p:grpSpPr>
       <p:sp>
         <p:nvSpPr>
-          <p:cNvPr id="2" name="Title 1">
-            <a:extLst>
-              <a:ext uri="{FF2B5EF4-FFF2-40B4-BE49-F238E27FC236}">
-                <a16:creationId xmlns:a16="http://schemas.microsoft.com/office/drawing/2014/main" id="{2A5755BE-860E-40EB-ADA6-6E82BCB49EC3}"/>
-              </a:ext>
-            </a:extLst>
-          </p:cNvPr>
-          <p:cNvSpPr>
-            <a:spLocks noGrp="1"/>
-          </p:cNvSpPr>
-          <p:nvPr>
-            <p:ph type="title"/>
+          <p:cNvPr id="2" name="Title 1"/>
+          <p:cNvSpPr>
+            <a:spLocks noGrp="1"/>
+          </p:cNvSpPr>
+          <p:nvPr>
+            <p:ph type="ctrTitle"/>
           </p:nvPr>
         </p:nvSpPr>
         <p:spPr>
           <a:xfrm>
-            <a:off x="838200" y="365125"/>
-            <a:ext cx="10515600" cy="1325563"/>
-          </a:xfrm>
-        </p:spPr>
-        <p:txBody>
-          <a:bodyPr/>
-          <a:lstStyle/>
-          <a:p>
-            <a:r>
-              <a:rPr lang="en-US" dirty="0"/>
-              <a:t>Lab</a:t>
-            </a:r>
-          </a:p>
-        </p:txBody>
-      </p:sp>
-      <p:sp>
-        <p:nvSpPr>
-          <p:cNvPr id="3" name="Content Placeholder 2">
-            <a:extLst>
-              <a:ext uri="{FF2B5EF4-FFF2-40B4-BE49-F238E27FC236}">
-                <a16:creationId xmlns:a16="http://schemas.microsoft.com/office/drawing/2014/main" id="{72EF5DE0-5958-4171-A9E3-3D288A31AC3F}"/>
-              </a:ext>
-            </a:extLst>
-          </p:cNvPr>
-          <p:cNvSpPr>
-            <a:spLocks noGrp="1"/>
-          </p:cNvSpPr>
-          <p:nvPr>
-            <p:ph idx="1"/>
-          </p:nvPr>
-        </p:nvSpPr>
-        <p:spPr>
-          <a:xfrm>
-            <a:off x="838200" y="1654444"/>
-            <a:ext cx="10515600" cy="4522519"/>
+            <a:off x="1524000" y="1122365"/>
+            <a:ext cx="9144000" cy="1839044"/>
           </a:xfrm>
         </p:spPr>
         <p:txBody>
@@ -5879,80 +5648,286 @@
           </a:bodyPr>
           <a:lstStyle/>
           <a:p>
-            <a:pPr marL="514350" indent="-514350">
+            <a:r>
+              <a:rPr lang="en-US" sz="4800" dirty="0"/>
+              <a:t>Lab</a:t>
+            </a:r>
+          </a:p>
+        </p:txBody>
+      </p:sp>
+      <p:sp>
+        <p:nvSpPr>
+          <p:cNvPr id="3" name="Content Placeholder 2">
+            <a:extLst>
+              <a:ext uri="{FF2B5EF4-FFF2-40B4-BE49-F238E27FC236}">
+                <a16:creationId xmlns:a16="http://schemas.microsoft.com/office/drawing/2014/main" id="{384C868E-346E-4359-BF4F-AAEC6F6AA8BC}"/>
+              </a:ext>
+            </a:extLst>
+          </p:cNvPr>
+          <p:cNvSpPr txBox="1">
+            <a:spLocks/>
+          </p:cNvSpPr>
+          <p:nvPr/>
+        </p:nvSpPr>
+        <p:spPr>
+          <a:xfrm>
+            <a:off x="838199" y="3190008"/>
+            <a:ext cx="10515601" cy="3368107"/>
+          </a:xfrm>
+          <a:prstGeom prst="rect">
+            <a:avLst/>
+          </a:prstGeom>
+        </p:spPr>
+        <p:txBody>
+          <a:bodyPr vert="horz" lIns="91440" tIns="45720" rIns="91440" bIns="45720" rtlCol="0">
+            <a:noAutofit/>
+          </a:bodyPr>
+          <a:lstStyle>
+            <a:lvl1pPr marL="0" indent="0" algn="ctr" defTabSz="914400" rtl="0" eaLnBrk="1" latinLnBrk="0" hangingPunct="1">
+              <a:lnSpc>
+                <a:spcPct val="90000"/>
+              </a:lnSpc>
+              <a:spcBef>
+                <a:spcPts val="1000"/>
+              </a:spcBef>
+              <a:buFont typeface="Arial" panose="020B0604020202020204" pitchFamily="34" charset="0"/>
+              <a:buNone/>
+              <a:defRPr sz="2400" kern="1200">
+                <a:solidFill>
+                  <a:schemeClr val="tx1"/>
+                </a:solidFill>
+                <a:latin typeface="+mn-lt"/>
+                <a:ea typeface="+mn-ea"/>
+                <a:cs typeface="+mn-cs"/>
+              </a:defRPr>
+            </a:lvl1pPr>
+            <a:lvl2pPr marL="457200" indent="0" algn="ctr" defTabSz="914400" rtl="0" eaLnBrk="1" latinLnBrk="0" hangingPunct="1">
+              <a:lnSpc>
+                <a:spcPct val="90000"/>
+              </a:lnSpc>
+              <a:spcBef>
+                <a:spcPts val="500"/>
+              </a:spcBef>
+              <a:buFont typeface="Arial" panose="020B0604020202020204" pitchFamily="34" charset="0"/>
+              <a:buNone/>
+              <a:defRPr sz="2000" kern="1200">
+                <a:solidFill>
+                  <a:schemeClr val="tx1"/>
+                </a:solidFill>
+                <a:latin typeface="+mn-lt"/>
+                <a:ea typeface="+mn-ea"/>
+                <a:cs typeface="+mn-cs"/>
+              </a:defRPr>
+            </a:lvl2pPr>
+            <a:lvl3pPr marL="914400" indent="0" algn="ctr" defTabSz="914400" rtl="0" eaLnBrk="1" latinLnBrk="0" hangingPunct="1">
+              <a:lnSpc>
+                <a:spcPct val="90000"/>
+              </a:lnSpc>
+              <a:spcBef>
+                <a:spcPts val="500"/>
+              </a:spcBef>
+              <a:buFont typeface="Arial" panose="020B0604020202020204" pitchFamily="34" charset="0"/>
+              <a:buNone/>
+              <a:defRPr sz="1800" kern="1200">
+                <a:solidFill>
+                  <a:schemeClr val="tx1"/>
+                </a:solidFill>
+                <a:latin typeface="+mn-lt"/>
+                <a:ea typeface="+mn-ea"/>
+                <a:cs typeface="+mn-cs"/>
+              </a:defRPr>
+            </a:lvl3pPr>
+            <a:lvl4pPr marL="1371600" indent="0" algn="ctr" defTabSz="914400" rtl="0" eaLnBrk="1" latinLnBrk="0" hangingPunct="1">
+              <a:lnSpc>
+                <a:spcPct val="90000"/>
+              </a:lnSpc>
+              <a:spcBef>
+                <a:spcPts val="500"/>
+              </a:spcBef>
+              <a:buFont typeface="Arial" panose="020B0604020202020204" pitchFamily="34" charset="0"/>
+              <a:buNone/>
+              <a:defRPr sz="1600" kern="1200">
+                <a:solidFill>
+                  <a:schemeClr val="tx1"/>
+                </a:solidFill>
+                <a:latin typeface="+mn-lt"/>
+                <a:ea typeface="+mn-ea"/>
+                <a:cs typeface="+mn-cs"/>
+              </a:defRPr>
+            </a:lvl4pPr>
+            <a:lvl5pPr marL="1828800" indent="0" algn="ctr" defTabSz="914400" rtl="0" eaLnBrk="1" latinLnBrk="0" hangingPunct="1">
+              <a:lnSpc>
+                <a:spcPct val="90000"/>
+              </a:lnSpc>
+              <a:spcBef>
+                <a:spcPts val="500"/>
+              </a:spcBef>
+              <a:buFont typeface="Arial" panose="020B0604020202020204" pitchFamily="34" charset="0"/>
+              <a:buNone/>
+              <a:defRPr sz="1600" kern="1200">
+                <a:solidFill>
+                  <a:schemeClr val="tx1"/>
+                </a:solidFill>
+                <a:latin typeface="+mn-lt"/>
+                <a:ea typeface="+mn-ea"/>
+                <a:cs typeface="+mn-cs"/>
+              </a:defRPr>
+            </a:lvl5pPr>
+            <a:lvl6pPr marL="2286000" indent="0" algn="ctr" defTabSz="914400" rtl="0" eaLnBrk="1" latinLnBrk="0" hangingPunct="1">
+              <a:lnSpc>
+                <a:spcPct val="90000"/>
+              </a:lnSpc>
+              <a:spcBef>
+                <a:spcPts val="500"/>
+              </a:spcBef>
+              <a:buFont typeface="Arial" panose="020B0604020202020204" pitchFamily="34" charset="0"/>
+              <a:buNone/>
+              <a:defRPr sz="1600" kern="1200">
+                <a:solidFill>
+                  <a:schemeClr val="tx1"/>
+                </a:solidFill>
+                <a:latin typeface="+mn-lt"/>
+                <a:ea typeface="+mn-ea"/>
+                <a:cs typeface="+mn-cs"/>
+              </a:defRPr>
+            </a:lvl6pPr>
+            <a:lvl7pPr marL="2743200" indent="0" algn="ctr" defTabSz="914400" rtl="0" eaLnBrk="1" latinLnBrk="0" hangingPunct="1">
+              <a:lnSpc>
+                <a:spcPct val="90000"/>
+              </a:lnSpc>
+              <a:spcBef>
+                <a:spcPts val="500"/>
+              </a:spcBef>
+              <a:buFont typeface="Arial" panose="020B0604020202020204" pitchFamily="34" charset="0"/>
+              <a:buNone/>
+              <a:defRPr sz="1600" kern="1200">
+                <a:solidFill>
+                  <a:schemeClr val="tx1"/>
+                </a:solidFill>
+                <a:latin typeface="+mn-lt"/>
+                <a:ea typeface="+mn-ea"/>
+                <a:cs typeface="+mn-cs"/>
+              </a:defRPr>
+            </a:lvl7pPr>
+            <a:lvl8pPr marL="3200400" indent="0" algn="ctr" defTabSz="914400" rtl="0" eaLnBrk="1" latinLnBrk="0" hangingPunct="1">
+              <a:lnSpc>
+                <a:spcPct val="90000"/>
+              </a:lnSpc>
+              <a:spcBef>
+                <a:spcPts val="500"/>
+              </a:spcBef>
+              <a:buFont typeface="Arial" panose="020B0604020202020204" pitchFamily="34" charset="0"/>
+              <a:buNone/>
+              <a:defRPr sz="1600" kern="1200">
+                <a:solidFill>
+                  <a:schemeClr val="tx1"/>
+                </a:solidFill>
+                <a:latin typeface="+mn-lt"/>
+                <a:ea typeface="+mn-ea"/>
+                <a:cs typeface="+mn-cs"/>
+              </a:defRPr>
+            </a:lvl8pPr>
+            <a:lvl9pPr marL="3657600" indent="0" algn="ctr" defTabSz="914400" rtl="0" eaLnBrk="1" latinLnBrk="0" hangingPunct="1">
+              <a:lnSpc>
+                <a:spcPct val="90000"/>
+              </a:lnSpc>
+              <a:spcBef>
+                <a:spcPts val="500"/>
+              </a:spcBef>
+              <a:buFont typeface="Arial" panose="020B0604020202020204" pitchFamily="34" charset="0"/>
+              <a:buNone/>
+              <a:defRPr sz="1600" kern="1200">
+                <a:solidFill>
+                  <a:schemeClr val="tx1"/>
+                </a:solidFill>
+                <a:latin typeface="+mn-lt"/>
+                <a:ea typeface="+mn-ea"/>
+                <a:cs typeface="+mn-cs"/>
+              </a:defRPr>
+            </a:lvl9pPr>
+          </a:lstStyle>
+          <a:p>
+            <a:pPr algn="l">
+              <a:spcBef>
+                <a:spcPts val="0"/>
+              </a:spcBef>
+            </a:pPr>
+            <a:r>
+              <a:rPr lang="en-US" sz="2000" u="sng" dirty="0"/>
+              <a:t>Lab Activates:</a:t>
+            </a:r>
+          </a:p>
+          <a:p>
+            <a:pPr marL="457200" indent="-457200" algn="l">
+              <a:spcBef>
+                <a:spcPts val="0"/>
+              </a:spcBef>
               <a:buFont typeface="+mj-lt"/>
               <a:buAutoNum type="arabicPeriod"/>
             </a:pPr>
             <a:r>
               <a:rPr lang="en-US" sz="2000" dirty="0"/>
-              <a:t>Working within your Scrum Teams:</a:t>
-            </a:r>
-          </a:p>
-          <a:p>
-            <a:pPr marL="1428750" lvl="2" indent="-514350">
-              <a:spcAft>
-                <a:spcPts val="1800"/>
-              </a:spcAft>
-              <a:buFont typeface="+mj-lt"/>
-              <a:buAutoNum type="alphaLcParenR"/>
-            </a:pPr>
-            <a:r>
-              <a:rPr lang="en-US" sz="1600" dirty="0"/>
-              <a:t>Work on Final Projects</a:t>
-            </a:r>
-          </a:p>
-          <a:p>
-            <a:pPr marL="514350" indent="-514350">
+              <a:t>Your turn for Introductions</a:t>
+            </a:r>
+          </a:p>
+          <a:p>
+            <a:pPr marL="457200" indent="-457200" algn="l">
+              <a:spcBef>
+                <a:spcPts val="0"/>
+              </a:spcBef>
               <a:buFont typeface="+mj-lt"/>
               <a:buAutoNum type="arabicPeriod"/>
             </a:pPr>
             <a:r>
               <a:rPr lang="en-US" sz="2000" dirty="0"/>
-              <a:t>Daily Scrum and Report Out starting at 2:45:</a:t>
-            </a:r>
-          </a:p>
-          <a:p>
-            <a:pPr marL="1428750" lvl="2" indent="-514350">
+              <a:t>Safari Books registration</a:t>
+            </a:r>
+          </a:p>
+          <a:p>
+            <a:pPr marL="457200" indent="-457200" algn="l">
+              <a:spcBef>
+                <a:spcPts val="0"/>
+              </a:spcBef>
               <a:buFont typeface="+mj-lt"/>
-              <a:buAutoNum type="alphaLcParenR"/>
-            </a:pPr>
-            <a:r>
-              <a:rPr lang="en-US" sz="1600" dirty="0"/>
-              <a:t>What did you accomplish since the last meeting?</a:t>
-            </a:r>
-          </a:p>
-          <a:p>
-            <a:pPr marL="1428750" lvl="2" indent="-514350">
+              <a:buAutoNum type="arabicPeriod"/>
+            </a:pPr>
+            <a:r>
+              <a:rPr lang="en-US" sz="2000" dirty="0"/>
+              <a:t>Verify and/or Install Java environment</a:t>
+            </a:r>
+          </a:p>
+          <a:p>
+            <a:pPr marL="457200" indent="-457200" algn="l">
+              <a:spcBef>
+                <a:spcPts val="0"/>
+              </a:spcBef>
               <a:buFont typeface="+mj-lt"/>
-              <a:buAutoNum type="alphaLcParenR"/>
-            </a:pPr>
-            <a:r>
-              <a:rPr lang="en-US" sz="1600" dirty="0"/>
-              <a:t>What are you working on until the next meeting?</a:t>
-            </a:r>
-          </a:p>
-          <a:p>
-            <a:pPr marL="1428750" lvl="2" indent="-514350">
+              <a:buAutoNum type="arabicPeriod"/>
+            </a:pPr>
+            <a:r>
+              <a:rPr lang="en-US" sz="2000" dirty="0"/>
+              <a:t>Install Visual Studio Code… or other preferred text editor</a:t>
+            </a:r>
+          </a:p>
+          <a:p>
+            <a:pPr marL="457200" indent="-457200" algn="l">
+              <a:spcBef>
+                <a:spcPts val="0"/>
+              </a:spcBef>
               <a:buFont typeface="+mj-lt"/>
-              <a:buAutoNum type="alphaLcParenR"/>
-            </a:pPr>
-            <a:r>
-              <a:rPr lang="en-US" sz="1600" u="sng" dirty="0"/>
-              <a:t>What is getting in your way or keeping you from completing your Sprint assignments?</a:t>
-            </a:r>
-          </a:p>
-          <a:p>
-            <a:pPr marL="0" indent="0">
-              <a:buNone/>
-            </a:pPr>
-            <a:endParaRPr lang="en-US" sz="2000" dirty="0"/>
+              <a:buAutoNum type="arabicPeriod"/>
+            </a:pPr>
+            <a:r>
+              <a:rPr lang="en-US" sz="2000" dirty="0"/>
+              <a:t>Hello World or BMI Calculator coding together</a:t>
+            </a:r>
           </a:p>
         </p:txBody>
       </p:sp>
     </p:spTree>
     <p:extLst>
       <p:ext uri="{BB962C8B-B14F-4D97-AF65-F5344CB8AC3E}">
-        <p14:creationId xmlns:p14="http://schemas.microsoft.com/office/powerpoint/2010/main" val="1850029258"/>
+        <p14:creationId xmlns:p14="http://schemas.microsoft.com/office/powerpoint/2010/main" val="3340901311"/>
       </p:ext>
     </p:extLst>
   </p:cSld>
@@ -5981,37 +5956,388 @@
       </p:grpSpPr>
       <p:sp>
         <p:nvSpPr>
-          <p:cNvPr id="2" name="Title 1"/>
-          <p:cNvSpPr>
-            <a:spLocks noGrp="1"/>
-          </p:cNvSpPr>
-          <p:nvPr>
-            <p:ph type="ctrTitle"/>
+          <p:cNvPr id="3" name="Title 1">
+            <a:extLst>
+              <a:ext uri="{FF2B5EF4-FFF2-40B4-BE49-F238E27FC236}">
+                <a16:creationId xmlns:a16="http://schemas.microsoft.com/office/drawing/2014/main" id="{258F05B8-454B-41D3-8214-93C6A8B89841}"/>
+              </a:ext>
+            </a:extLst>
+          </p:cNvPr>
+          <p:cNvSpPr>
+            <a:spLocks noGrp="1"/>
+          </p:cNvSpPr>
+          <p:nvPr>
+            <p:ph type="title"/>
           </p:nvPr>
         </p:nvSpPr>
         <p:spPr>
           <a:xfrm>
-            <a:off x="1524000" y="3025490"/>
-            <a:ext cx="9144000" cy="807019"/>
+            <a:off x="838200" y="474626"/>
+            <a:ext cx="10515600" cy="757272"/>
           </a:xfrm>
         </p:spPr>
         <p:txBody>
-          <a:bodyPr anchor="ctr">
+          <a:bodyPr>
             <a:normAutofit/>
           </a:bodyPr>
           <a:lstStyle/>
           <a:p>
             <a:r>
-              <a:rPr lang="en-US" sz="4800" dirty="0"/>
-              <a:t>Lab: Your Turn for Introductions</a:t>
-            </a:r>
+              <a:rPr lang="en-US" sz="3600" dirty="0"/>
+              <a:t>Introductions – Name Cards plus Interesting Fact</a:t>
+            </a:r>
+            <a:endParaRPr lang="en-US" sz="3600" b="1" i="1" u="sng" dirty="0"/>
+          </a:p>
+        </p:txBody>
+      </p:sp>
+      <p:sp>
+        <p:nvSpPr>
+          <p:cNvPr id="2" name="Rectangle 1">
+            <a:extLst>
+              <a:ext uri="{FF2B5EF4-FFF2-40B4-BE49-F238E27FC236}">
+                <a16:creationId xmlns:a16="http://schemas.microsoft.com/office/drawing/2014/main" id="{0C326A31-5CBB-4F38-BF58-B6AFC533B019}"/>
+              </a:ext>
+            </a:extLst>
+          </p:cNvPr>
+          <p:cNvSpPr/>
+          <p:nvPr/>
+        </p:nvSpPr>
+        <p:spPr>
+          <a:xfrm>
+            <a:off x="1864929" y="1448636"/>
+            <a:ext cx="8462142" cy="4736810"/>
+          </a:xfrm>
+          <a:prstGeom prst="rect">
+            <a:avLst/>
+          </a:prstGeom>
+        </p:spPr>
+        <p:txBody>
+          <a:bodyPr wrap="square">
+            <a:spAutoFit/>
+          </a:bodyPr>
+          <a:lstStyle/>
+          <a:p>
+            <a:pPr>
+              <a:lnSpc>
+                <a:spcPct val="107000"/>
+              </a:lnSpc>
+              <a:spcAft>
+                <a:spcPts val="800"/>
+              </a:spcAft>
+            </a:pPr>
+            <a:r>
+              <a:rPr lang="en-US" sz="1600" dirty="0">
+                <a:latin typeface="Calibri" panose="020F0502020204030204" pitchFamily="34" charset="0"/>
+                <a:ea typeface="Calibri" panose="020F0502020204030204" pitchFamily="34" charset="0"/>
+                <a:cs typeface="Times New Roman" panose="02020603050405020304" pitchFamily="18" charset="0"/>
+              </a:rPr>
+              <a:t>Please fill out a name card…</a:t>
+            </a:r>
+          </a:p>
+          <a:p>
+            <a:pPr>
+              <a:lnSpc>
+                <a:spcPct val="107000"/>
+              </a:lnSpc>
+              <a:spcAft>
+                <a:spcPts val="800"/>
+              </a:spcAft>
+            </a:pPr>
+            <a:r>
+              <a:rPr lang="en-US" sz="1600" dirty="0">
+                <a:latin typeface="Calibri" panose="020F0502020204030204" pitchFamily="34" charset="0"/>
+                <a:ea typeface="Calibri" panose="020F0502020204030204" pitchFamily="34" charset="0"/>
+                <a:cs typeface="Times New Roman" panose="02020603050405020304" pitchFamily="18" charset="0"/>
+              </a:rPr>
+              <a:t>Include:</a:t>
+            </a:r>
+          </a:p>
+          <a:p>
+            <a:pPr marL="342900" marR="0" lvl="0" indent="-342900">
+              <a:lnSpc>
+                <a:spcPct val="107000"/>
+              </a:lnSpc>
+              <a:spcBef>
+                <a:spcPts val="0"/>
+              </a:spcBef>
+              <a:spcAft>
+                <a:spcPts val="800"/>
+              </a:spcAft>
+              <a:buSzPts val="1000"/>
+              <a:buFont typeface="Symbol" panose="05050102010706020507" pitchFamily="18" charset="2"/>
+              <a:buChar char=""/>
+              <a:tabLst>
+                <a:tab pos="457200" algn="l"/>
+              </a:tabLst>
+            </a:pPr>
+            <a:r>
+              <a:rPr lang="en-US" sz="1600" dirty="0">
+                <a:latin typeface="Calibri" panose="020F0502020204030204" pitchFamily="34" charset="0"/>
+                <a:ea typeface="Calibri" panose="020F0502020204030204" pitchFamily="34" charset="0"/>
+                <a:cs typeface="Times New Roman" panose="02020603050405020304" pitchFamily="18" charset="0"/>
+              </a:rPr>
+              <a:t>Preferred Name followed by Last Name</a:t>
+            </a:r>
+          </a:p>
+          <a:p>
+            <a:pPr marL="342900" marR="0" lvl="0" indent="-342900">
+              <a:lnSpc>
+                <a:spcPct val="107000"/>
+              </a:lnSpc>
+              <a:spcBef>
+                <a:spcPts val="0"/>
+              </a:spcBef>
+              <a:spcAft>
+                <a:spcPts val="800"/>
+              </a:spcAft>
+              <a:buSzPts val="1000"/>
+              <a:buFont typeface="Symbol" panose="05050102010706020507" pitchFamily="18" charset="2"/>
+              <a:buChar char=""/>
+              <a:tabLst>
+                <a:tab pos="457200" algn="l"/>
+              </a:tabLst>
+            </a:pPr>
+            <a:r>
+              <a:rPr lang="en-US" sz="1600" dirty="0">
+                <a:latin typeface="Calibri" panose="020F0502020204030204" pitchFamily="34" charset="0"/>
+                <a:ea typeface="Calibri" panose="020F0502020204030204" pitchFamily="34" charset="0"/>
+                <a:cs typeface="Times New Roman" panose="02020603050405020304" pitchFamily="18" charset="0"/>
+              </a:rPr>
+              <a:t>A score of 0 to 5 in the upper right hand corner to describe your programming experience with:</a:t>
+            </a:r>
+          </a:p>
+          <a:p>
+            <a:pPr marL="800100" lvl="1" indent="-342900">
+              <a:lnSpc>
+                <a:spcPct val="107000"/>
+              </a:lnSpc>
+              <a:spcAft>
+                <a:spcPts val="800"/>
+              </a:spcAft>
+              <a:buSzPts val="1000"/>
+              <a:buFont typeface="Symbol" panose="05050102010706020507" pitchFamily="18" charset="2"/>
+              <a:buChar char=""/>
+              <a:tabLst>
+                <a:tab pos="457200" algn="l"/>
+              </a:tabLst>
+            </a:pPr>
+            <a:r>
+              <a:rPr lang="en-US" sz="1600" dirty="0">
+                <a:latin typeface="Calibri" panose="020F0502020204030204" pitchFamily="34" charset="0"/>
+                <a:ea typeface="Calibri" panose="020F0502020204030204" pitchFamily="34" charset="0"/>
+                <a:cs typeface="Times New Roman" panose="02020603050405020304" pitchFamily="18" charset="0"/>
+              </a:rPr>
+              <a:t>0 being “I’ve never seen a line of code”</a:t>
+            </a:r>
+          </a:p>
+          <a:p>
+            <a:pPr marL="800100" lvl="1" indent="-342900">
+              <a:lnSpc>
+                <a:spcPct val="107000"/>
+              </a:lnSpc>
+              <a:spcAft>
+                <a:spcPts val="800"/>
+              </a:spcAft>
+              <a:buSzPts val="1000"/>
+              <a:buFont typeface="Symbol" panose="05050102010706020507" pitchFamily="18" charset="2"/>
+              <a:buChar char=""/>
+              <a:tabLst>
+                <a:tab pos="457200" algn="l"/>
+              </a:tabLst>
+            </a:pPr>
+            <a:r>
+              <a:rPr lang="en-US" sz="1600" dirty="0">
+                <a:latin typeface="Calibri" panose="020F0502020204030204" pitchFamily="34" charset="0"/>
+                <a:ea typeface="Calibri" panose="020F0502020204030204" pitchFamily="34" charset="0"/>
+                <a:cs typeface="Times New Roman" panose="02020603050405020304" pitchFamily="18" charset="0"/>
+              </a:rPr>
+              <a:t>1 being “This is my first college level programming class”</a:t>
+            </a:r>
+          </a:p>
+          <a:p>
+            <a:pPr marL="800100" lvl="1" indent="-342900">
+              <a:lnSpc>
+                <a:spcPct val="107000"/>
+              </a:lnSpc>
+              <a:spcAft>
+                <a:spcPts val="800"/>
+              </a:spcAft>
+              <a:buSzPts val="1000"/>
+              <a:buFont typeface="Symbol" panose="05050102010706020507" pitchFamily="18" charset="2"/>
+              <a:buChar char=""/>
+              <a:tabLst>
+                <a:tab pos="457200" algn="l"/>
+              </a:tabLst>
+            </a:pPr>
+            <a:r>
+              <a:rPr lang="en-US" sz="1600" dirty="0">
+                <a:latin typeface="Calibri" panose="020F0502020204030204" pitchFamily="34" charset="0"/>
+                <a:ea typeface="Calibri" panose="020F0502020204030204" pitchFamily="34" charset="0"/>
+                <a:cs typeface="Times New Roman" panose="02020603050405020304" pitchFamily="18" charset="0"/>
+              </a:rPr>
+              <a:t>3 being “I’ve had a couple of programming classes”</a:t>
+            </a:r>
+          </a:p>
+          <a:p>
+            <a:pPr marL="800100" lvl="1" indent="-342900">
+              <a:lnSpc>
+                <a:spcPct val="107000"/>
+              </a:lnSpc>
+              <a:spcAft>
+                <a:spcPts val="800"/>
+              </a:spcAft>
+              <a:buSzPts val="1000"/>
+              <a:buFont typeface="Symbol" panose="05050102010706020507" pitchFamily="18" charset="2"/>
+              <a:buChar char=""/>
+              <a:tabLst>
+                <a:tab pos="457200" algn="l"/>
+              </a:tabLst>
+            </a:pPr>
+            <a:r>
+              <a:rPr lang="en-US" sz="1600" dirty="0">
+                <a:latin typeface="Calibri" panose="020F0502020204030204" pitchFamily="34" charset="0"/>
+                <a:ea typeface="Calibri" panose="020F0502020204030204" pitchFamily="34" charset="0"/>
+                <a:cs typeface="Times New Roman" panose="02020603050405020304" pitchFamily="18" charset="0"/>
+              </a:rPr>
+              <a:t>5 being “I’m ready to graduate and get and entry level programming job”</a:t>
+            </a:r>
+          </a:p>
+          <a:p>
+            <a:pPr marL="342900" marR="0" lvl="0" indent="-342900">
+              <a:lnSpc>
+                <a:spcPct val="107000"/>
+              </a:lnSpc>
+              <a:spcBef>
+                <a:spcPts val="0"/>
+              </a:spcBef>
+              <a:spcAft>
+                <a:spcPts val="800"/>
+              </a:spcAft>
+              <a:buSzPts val="1000"/>
+              <a:buFont typeface="Symbol" panose="05050102010706020507" pitchFamily="18" charset="2"/>
+              <a:buChar char=""/>
+              <a:tabLst>
+                <a:tab pos="457200" algn="l"/>
+              </a:tabLst>
+            </a:pPr>
+            <a:r>
+              <a:rPr lang="en-US" sz="1600" dirty="0">
+                <a:latin typeface="Calibri" panose="020F0502020204030204" pitchFamily="34" charset="0"/>
+                <a:ea typeface="Calibri" panose="020F0502020204030204" pitchFamily="34" charset="0"/>
+                <a:cs typeface="Times New Roman" panose="02020603050405020304" pitchFamily="18" charset="0"/>
+              </a:rPr>
+              <a:t>Also place a “A” by the number if you are part of the aeronautical program </a:t>
+            </a:r>
+          </a:p>
+          <a:p>
+            <a:pPr marL="342900" marR="0" lvl="0" indent="-342900">
+              <a:lnSpc>
+                <a:spcPct val="107000"/>
+              </a:lnSpc>
+              <a:spcBef>
+                <a:spcPts val="0"/>
+              </a:spcBef>
+              <a:spcAft>
+                <a:spcPts val="800"/>
+              </a:spcAft>
+              <a:buSzPts val="1000"/>
+              <a:buFont typeface="Symbol" panose="05050102010706020507" pitchFamily="18" charset="2"/>
+              <a:buChar char=""/>
+              <a:tabLst>
+                <a:tab pos="457200" algn="l"/>
+              </a:tabLst>
+            </a:pPr>
+            <a:r>
+              <a:rPr lang="en-US" sz="1600" dirty="0">
+                <a:latin typeface="Calibri" panose="020F0502020204030204" pitchFamily="34" charset="0"/>
+                <a:ea typeface="Calibri" panose="020F0502020204030204" pitchFamily="34" charset="0"/>
+                <a:cs typeface="Times New Roman" panose="02020603050405020304" pitchFamily="18" charset="0"/>
+              </a:rPr>
+              <a:t>Leave a little space at the bottom so that you can add your Scrum team name Wednesday</a:t>
+            </a:r>
+          </a:p>
+          <a:p>
+            <a:pPr marL="342900" marR="0" lvl="0" indent="-342900">
+              <a:lnSpc>
+                <a:spcPct val="107000"/>
+              </a:lnSpc>
+              <a:spcBef>
+                <a:spcPts val="0"/>
+              </a:spcBef>
+              <a:spcAft>
+                <a:spcPts val="800"/>
+              </a:spcAft>
+              <a:buSzPts val="1000"/>
+              <a:buFont typeface="Symbol" panose="05050102010706020507" pitchFamily="18" charset="2"/>
+              <a:buChar char=""/>
+              <a:tabLst>
+                <a:tab pos="457200" algn="l"/>
+              </a:tabLst>
+            </a:pPr>
+            <a:r>
+              <a:rPr lang="en-US" sz="1600" dirty="0">
+                <a:latin typeface="Calibri" panose="020F0502020204030204" pitchFamily="34" charset="0"/>
+                <a:ea typeface="Calibri" panose="020F0502020204030204" pitchFamily="34" charset="0"/>
+                <a:cs typeface="Times New Roman" panose="02020603050405020304" pitchFamily="18" charset="0"/>
+              </a:rPr>
+              <a:t>Be ready to introduce yourself and to share an interesting fact about yourself</a:t>
+            </a:r>
+          </a:p>
+          <a:p>
+            <a:pPr marL="342900" marR="0" lvl="0" indent="-342900">
+              <a:lnSpc>
+                <a:spcPct val="107000"/>
+              </a:lnSpc>
+              <a:spcBef>
+                <a:spcPts val="0"/>
+              </a:spcBef>
+              <a:spcAft>
+                <a:spcPts val="800"/>
+              </a:spcAft>
+              <a:buSzPts val="1000"/>
+              <a:buFont typeface="Symbol" panose="05050102010706020507" pitchFamily="18" charset="2"/>
+              <a:buChar char=""/>
+              <a:tabLst>
+                <a:tab pos="457200" algn="l"/>
+              </a:tabLst>
+            </a:pPr>
+            <a:r>
+              <a:rPr lang="en-US" sz="1600" dirty="0">
+                <a:latin typeface="Calibri" panose="020F0502020204030204" pitchFamily="34" charset="0"/>
+                <a:ea typeface="Calibri" panose="020F0502020204030204" pitchFamily="34" charset="0"/>
+                <a:cs typeface="Times New Roman" panose="02020603050405020304" pitchFamily="18" charset="0"/>
+              </a:rPr>
+              <a:t>Anything else you would like to add</a:t>
+            </a:r>
+          </a:p>
+          <a:p>
+            <a:pPr marR="0" lvl="0">
+              <a:lnSpc>
+                <a:spcPct val="107000"/>
+              </a:lnSpc>
+              <a:spcBef>
+                <a:spcPts val="0"/>
+              </a:spcBef>
+              <a:spcAft>
+                <a:spcPts val="800"/>
+              </a:spcAft>
+              <a:buSzPts val="1000"/>
+              <a:tabLst>
+                <a:tab pos="457200" algn="l"/>
+              </a:tabLst>
+            </a:pPr>
+            <a:endParaRPr lang="en-US" sz="1600" dirty="0">
+              <a:latin typeface="Calibri" panose="020F0502020204030204" pitchFamily="34" charset="0"/>
+              <a:ea typeface="Calibri" panose="020F0502020204030204" pitchFamily="34" charset="0"/>
+              <a:cs typeface="Times New Roman" panose="02020603050405020304" pitchFamily="18" charset="0"/>
+            </a:endParaRPr>
           </a:p>
         </p:txBody>
       </p:sp>
     </p:spTree>
     <p:extLst>
       <p:ext uri="{BB962C8B-B14F-4D97-AF65-F5344CB8AC3E}">
-        <p14:creationId xmlns:p14="http://schemas.microsoft.com/office/powerpoint/2010/main" val="598204404"/>
+        <p14:creationId xmlns:p14="http://schemas.microsoft.com/office/powerpoint/2010/main" val="2996138992"/>
       </p:ext>
     </p:extLst>
   </p:cSld>
@@ -6040,388 +6366,44 @@
       </p:grpSpPr>
       <p:sp>
         <p:nvSpPr>
-          <p:cNvPr id="3" name="Title 1">
-            <a:extLst>
-              <a:ext uri="{FF2B5EF4-FFF2-40B4-BE49-F238E27FC236}">
-                <a16:creationId xmlns:a16="http://schemas.microsoft.com/office/drawing/2014/main" id="{258F05B8-454B-41D3-8214-93C6A8B89841}"/>
-              </a:ext>
-            </a:extLst>
-          </p:cNvPr>
-          <p:cNvSpPr>
-            <a:spLocks noGrp="1"/>
-          </p:cNvSpPr>
-          <p:nvPr>
-            <p:ph type="title"/>
+          <p:cNvPr id="2" name="Title 1"/>
+          <p:cNvSpPr>
+            <a:spLocks noGrp="1"/>
+          </p:cNvSpPr>
+          <p:nvPr>
+            <p:ph type="ctrTitle"/>
           </p:nvPr>
         </p:nvSpPr>
         <p:spPr>
           <a:xfrm>
-            <a:off x="838200" y="474626"/>
-            <a:ext cx="10515600" cy="757272"/>
+            <a:off x="654951" y="3025490"/>
+            <a:ext cx="10013049" cy="807019"/>
           </a:xfrm>
         </p:spPr>
         <p:txBody>
-          <a:bodyPr>
-            <a:normAutofit/>
+          <a:bodyPr anchor="ctr">
+            <a:noAutofit/>
           </a:bodyPr>
           <a:lstStyle/>
           <a:p>
             <a:r>
-              <a:rPr lang="en-US" sz="3600" dirty="0"/>
-              <a:t>Introductions – Name Cards plus Interesting Fact</a:t>
-            </a:r>
-            <a:endParaRPr lang="en-US" sz="3600" b="1" i="1" u="sng" dirty="0"/>
-          </a:p>
-        </p:txBody>
-      </p:sp>
-      <p:sp>
-        <p:nvSpPr>
-          <p:cNvPr id="2" name="Rectangle 1">
-            <a:extLst>
-              <a:ext uri="{FF2B5EF4-FFF2-40B4-BE49-F238E27FC236}">
-                <a16:creationId xmlns:a16="http://schemas.microsoft.com/office/drawing/2014/main" id="{0C326A31-5CBB-4F38-BF58-B6AFC533B019}"/>
-              </a:ext>
-            </a:extLst>
-          </p:cNvPr>
-          <p:cNvSpPr/>
-          <p:nvPr/>
-        </p:nvSpPr>
-        <p:spPr>
-          <a:xfrm>
-            <a:off x="1864929" y="1448636"/>
-            <a:ext cx="8462142" cy="4736810"/>
-          </a:xfrm>
-          <a:prstGeom prst="rect">
-            <a:avLst/>
-          </a:prstGeom>
-        </p:spPr>
-        <p:txBody>
-          <a:bodyPr wrap="square">
-            <a:spAutoFit/>
-          </a:bodyPr>
-          <a:lstStyle/>
-          <a:p>
-            <a:pPr>
-              <a:lnSpc>
-                <a:spcPct val="107000"/>
-              </a:lnSpc>
-              <a:spcAft>
-                <a:spcPts val="800"/>
-              </a:spcAft>
-            </a:pPr>
-            <a:r>
-              <a:rPr lang="en-US" sz="1600" dirty="0">
-                <a:latin typeface="Calibri" panose="020F0502020204030204" pitchFamily="34" charset="0"/>
-                <a:ea typeface="Calibri" panose="020F0502020204030204" pitchFamily="34" charset="0"/>
-                <a:cs typeface="Times New Roman" panose="02020603050405020304" pitchFamily="18" charset="0"/>
-              </a:rPr>
-              <a:t>Please fill out a name card…</a:t>
-            </a:r>
-          </a:p>
-          <a:p>
-            <a:pPr>
-              <a:lnSpc>
-                <a:spcPct val="107000"/>
-              </a:lnSpc>
-              <a:spcAft>
-                <a:spcPts val="800"/>
-              </a:spcAft>
-            </a:pPr>
-            <a:r>
-              <a:rPr lang="en-US" sz="1600" dirty="0">
-                <a:latin typeface="Calibri" panose="020F0502020204030204" pitchFamily="34" charset="0"/>
-                <a:ea typeface="Calibri" panose="020F0502020204030204" pitchFamily="34" charset="0"/>
-                <a:cs typeface="Times New Roman" panose="02020603050405020304" pitchFamily="18" charset="0"/>
-              </a:rPr>
-              <a:t>Include:</a:t>
-            </a:r>
-          </a:p>
-          <a:p>
-            <a:pPr marL="342900" marR="0" lvl="0" indent="-342900">
-              <a:lnSpc>
-                <a:spcPct val="107000"/>
-              </a:lnSpc>
-              <a:spcBef>
-                <a:spcPts val="0"/>
-              </a:spcBef>
-              <a:spcAft>
-                <a:spcPts val="800"/>
-              </a:spcAft>
-              <a:buSzPts val="1000"/>
-              <a:buFont typeface="Symbol" panose="05050102010706020507" pitchFamily="18" charset="2"/>
-              <a:buChar char=""/>
-              <a:tabLst>
-                <a:tab pos="457200" algn="l"/>
-              </a:tabLst>
-            </a:pPr>
-            <a:r>
-              <a:rPr lang="en-US" sz="1600" dirty="0">
-                <a:latin typeface="Calibri" panose="020F0502020204030204" pitchFamily="34" charset="0"/>
-                <a:ea typeface="Calibri" panose="020F0502020204030204" pitchFamily="34" charset="0"/>
-                <a:cs typeface="Times New Roman" panose="02020603050405020304" pitchFamily="18" charset="0"/>
-              </a:rPr>
-              <a:t>Preferred Name followed by Last Name</a:t>
-            </a:r>
-          </a:p>
-          <a:p>
-            <a:pPr marL="342900" marR="0" lvl="0" indent="-342900">
-              <a:lnSpc>
-                <a:spcPct val="107000"/>
-              </a:lnSpc>
-              <a:spcBef>
-                <a:spcPts val="0"/>
-              </a:spcBef>
-              <a:spcAft>
-                <a:spcPts val="800"/>
-              </a:spcAft>
-              <a:buSzPts val="1000"/>
-              <a:buFont typeface="Symbol" panose="05050102010706020507" pitchFamily="18" charset="2"/>
-              <a:buChar char=""/>
-              <a:tabLst>
-                <a:tab pos="457200" algn="l"/>
-              </a:tabLst>
-            </a:pPr>
-            <a:r>
-              <a:rPr lang="en-US" sz="1600" dirty="0">
-                <a:latin typeface="Calibri" panose="020F0502020204030204" pitchFamily="34" charset="0"/>
-                <a:ea typeface="Calibri" panose="020F0502020204030204" pitchFamily="34" charset="0"/>
-                <a:cs typeface="Times New Roman" panose="02020603050405020304" pitchFamily="18" charset="0"/>
-              </a:rPr>
-              <a:t>A score of 0 to 5 in the upper right hand corner to describe your programming experience with:</a:t>
-            </a:r>
-          </a:p>
-          <a:p>
-            <a:pPr marL="800100" lvl="1" indent="-342900">
-              <a:lnSpc>
-                <a:spcPct val="107000"/>
-              </a:lnSpc>
-              <a:spcAft>
-                <a:spcPts val="800"/>
-              </a:spcAft>
-              <a:buSzPts val="1000"/>
-              <a:buFont typeface="Symbol" panose="05050102010706020507" pitchFamily="18" charset="2"/>
-              <a:buChar char=""/>
-              <a:tabLst>
-                <a:tab pos="457200" algn="l"/>
-              </a:tabLst>
-            </a:pPr>
-            <a:r>
-              <a:rPr lang="en-US" sz="1600" dirty="0">
-                <a:latin typeface="Calibri" panose="020F0502020204030204" pitchFamily="34" charset="0"/>
-                <a:ea typeface="Calibri" panose="020F0502020204030204" pitchFamily="34" charset="0"/>
-                <a:cs typeface="Times New Roman" panose="02020603050405020304" pitchFamily="18" charset="0"/>
-              </a:rPr>
-              <a:t>0 being “I’ve never seen a line of code”</a:t>
-            </a:r>
-          </a:p>
-          <a:p>
-            <a:pPr marL="800100" lvl="1" indent="-342900">
-              <a:lnSpc>
-                <a:spcPct val="107000"/>
-              </a:lnSpc>
-              <a:spcAft>
-                <a:spcPts val="800"/>
-              </a:spcAft>
-              <a:buSzPts val="1000"/>
-              <a:buFont typeface="Symbol" panose="05050102010706020507" pitchFamily="18" charset="2"/>
-              <a:buChar char=""/>
-              <a:tabLst>
-                <a:tab pos="457200" algn="l"/>
-              </a:tabLst>
-            </a:pPr>
-            <a:r>
-              <a:rPr lang="en-US" sz="1600" dirty="0">
-                <a:latin typeface="Calibri" panose="020F0502020204030204" pitchFamily="34" charset="0"/>
-                <a:ea typeface="Calibri" panose="020F0502020204030204" pitchFamily="34" charset="0"/>
-                <a:cs typeface="Times New Roman" panose="02020603050405020304" pitchFamily="18" charset="0"/>
-              </a:rPr>
-              <a:t>1 being “This is my first college level programming class”</a:t>
-            </a:r>
-          </a:p>
-          <a:p>
-            <a:pPr marL="800100" lvl="1" indent="-342900">
-              <a:lnSpc>
-                <a:spcPct val="107000"/>
-              </a:lnSpc>
-              <a:spcAft>
-                <a:spcPts val="800"/>
-              </a:spcAft>
-              <a:buSzPts val="1000"/>
-              <a:buFont typeface="Symbol" panose="05050102010706020507" pitchFamily="18" charset="2"/>
-              <a:buChar char=""/>
-              <a:tabLst>
-                <a:tab pos="457200" algn="l"/>
-              </a:tabLst>
-            </a:pPr>
-            <a:r>
-              <a:rPr lang="en-US" sz="1600" dirty="0">
-                <a:latin typeface="Calibri" panose="020F0502020204030204" pitchFamily="34" charset="0"/>
-                <a:ea typeface="Calibri" panose="020F0502020204030204" pitchFamily="34" charset="0"/>
-                <a:cs typeface="Times New Roman" panose="02020603050405020304" pitchFamily="18" charset="0"/>
-              </a:rPr>
-              <a:t>3 being “I’ve had a couple of programming classes”</a:t>
-            </a:r>
-          </a:p>
-          <a:p>
-            <a:pPr marL="800100" lvl="1" indent="-342900">
-              <a:lnSpc>
-                <a:spcPct val="107000"/>
-              </a:lnSpc>
-              <a:spcAft>
-                <a:spcPts val="800"/>
-              </a:spcAft>
-              <a:buSzPts val="1000"/>
-              <a:buFont typeface="Symbol" panose="05050102010706020507" pitchFamily="18" charset="2"/>
-              <a:buChar char=""/>
-              <a:tabLst>
-                <a:tab pos="457200" algn="l"/>
-              </a:tabLst>
-            </a:pPr>
-            <a:r>
-              <a:rPr lang="en-US" sz="1600" dirty="0">
-                <a:latin typeface="Calibri" panose="020F0502020204030204" pitchFamily="34" charset="0"/>
-                <a:ea typeface="Calibri" panose="020F0502020204030204" pitchFamily="34" charset="0"/>
-                <a:cs typeface="Times New Roman" panose="02020603050405020304" pitchFamily="18" charset="0"/>
-              </a:rPr>
-              <a:t>5 being “I’m ready to graduate and get and entry level programming job”</a:t>
-            </a:r>
-          </a:p>
-          <a:p>
-            <a:pPr marL="342900" marR="0" lvl="0" indent="-342900">
-              <a:lnSpc>
-                <a:spcPct val="107000"/>
-              </a:lnSpc>
-              <a:spcBef>
-                <a:spcPts val="0"/>
-              </a:spcBef>
-              <a:spcAft>
-                <a:spcPts val="800"/>
-              </a:spcAft>
-              <a:buSzPts val="1000"/>
-              <a:buFont typeface="Symbol" panose="05050102010706020507" pitchFamily="18" charset="2"/>
-              <a:buChar char=""/>
-              <a:tabLst>
-                <a:tab pos="457200" algn="l"/>
-              </a:tabLst>
-            </a:pPr>
-            <a:r>
-              <a:rPr lang="en-US" sz="1600" dirty="0">
-                <a:latin typeface="Calibri" panose="020F0502020204030204" pitchFamily="34" charset="0"/>
-                <a:ea typeface="Calibri" panose="020F0502020204030204" pitchFamily="34" charset="0"/>
-                <a:cs typeface="Times New Roman" panose="02020603050405020304" pitchFamily="18" charset="0"/>
-              </a:rPr>
-              <a:t>Also place a “A” by the number if you are part of the aeronautical program </a:t>
-            </a:r>
-          </a:p>
-          <a:p>
-            <a:pPr marL="342900" marR="0" lvl="0" indent="-342900">
-              <a:lnSpc>
-                <a:spcPct val="107000"/>
-              </a:lnSpc>
-              <a:spcBef>
-                <a:spcPts val="0"/>
-              </a:spcBef>
-              <a:spcAft>
-                <a:spcPts val="800"/>
-              </a:spcAft>
-              <a:buSzPts val="1000"/>
-              <a:buFont typeface="Symbol" panose="05050102010706020507" pitchFamily="18" charset="2"/>
-              <a:buChar char=""/>
-              <a:tabLst>
-                <a:tab pos="457200" algn="l"/>
-              </a:tabLst>
-            </a:pPr>
-            <a:r>
-              <a:rPr lang="en-US" sz="1600" dirty="0">
-                <a:latin typeface="Calibri" panose="020F0502020204030204" pitchFamily="34" charset="0"/>
-                <a:ea typeface="Calibri" panose="020F0502020204030204" pitchFamily="34" charset="0"/>
-                <a:cs typeface="Times New Roman" panose="02020603050405020304" pitchFamily="18" charset="0"/>
-              </a:rPr>
-              <a:t>Leave a little space at the bottom so that you can add your Scrum team name Wednesday</a:t>
-            </a:r>
-          </a:p>
-          <a:p>
-            <a:pPr marL="342900" marR="0" lvl="0" indent="-342900">
-              <a:lnSpc>
-                <a:spcPct val="107000"/>
-              </a:lnSpc>
-              <a:spcBef>
-                <a:spcPts val="0"/>
-              </a:spcBef>
-              <a:spcAft>
-                <a:spcPts val="800"/>
-              </a:spcAft>
-              <a:buSzPts val="1000"/>
-              <a:buFont typeface="Symbol" panose="05050102010706020507" pitchFamily="18" charset="2"/>
-              <a:buChar char=""/>
-              <a:tabLst>
-                <a:tab pos="457200" algn="l"/>
-              </a:tabLst>
-            </a:pPr>
-            <a:r>
-              <a:rPr lang="en-US" sz="1600" dirty="0">
-                <a:latin typeface="Calibri" panose="020F0502020204030204" pitchFamily="34" charset="0"/>
-                <a:ea typeface="Calibri" panose="020F0502020204030204" pitchFamily="34" charset="0"/>
-                <a:cs typeface="Times New Roman" panose="02020603050405020304" pitchFamily="18" charset="0"/>
-              </a:rPr>
-              <a:t>Be ready to introduce yourself and to share an interesting fact about yourself</a:t>
-            </a:r>
-          </a:p>
-          <a:p>
-            <a:pPr marL="342900" marR="0" lvl="0" indent="-342900">
-              <a:lnSpc>
-                <a:spcPct val="107000"/>
-              </a:lnSpc>
-              <a:spcBef>
-                <a:spcPts val="0"/>
-              </a:spcBef>
-              <a:spcAft>
-                <a:spcPts val="800"/>
-              </a:spcAft>
-              <a:buSzPts val="1000"/>
-              <a:buFont typeface="Symbol" panose="05050102010706020507" pitchFamily="18" charset="2"/>
-              <a:buChar char=""/>
-              <a:tabLst>
-                <a:tab pos="457200" algn="l"/>
-              </a:tabLst>
-            </a:pPr>
-            <a:r>
-              <a:rPr lang="en-US" sz="1600" dirty="0">
-                <a:latin typeface="Calibri" panose="020F0502020204030204" pitchFamily="34" charset="0"/>
-                <a:ea typeface="Calibri" panose="020F0502020204030204" pitchFamily="34" charset="0"/>
-                <a:cs typeface="Times New Roman" panose="02020603050405020304" pitchFamily="18" charset="0"/>
-              </a:rPr>
-              <a:t>Anything else you would like to add</a:t>
-            </a:r>
-          </a:p>
-          <a:p>
-            <a:pPr marR="0" lvl="0">
-              <a:lnSpc>
-                <a:spcPct val="107000"/>
-              </a:lnSpc>
-              <a:spcBef>
-                <a:spcPts val="0"/>
-              </a:spcBef>
-              <a:spcAft>
-                <a:spcPts val="800"/>
-              </a:spcAft>
-              <a:buSzPts val="1000"/>
-              <a:tabLst>
-                <a:tab pos="457200" algn="l"/>
-              </a:tabLst>
-            </a:pPr>
-            <a:endParaRPr lang="en-US" sz="1600" dirty="0">
-              <a:latin typeface="Calibri" panose="020F0502020204030204" pitchFamily="34" charset="0"/>
-              <a:ea typeface="Calibri" panose="020F0502020204030204" pitchFamily="34" charset="0"/>
-              <a:cs typeface="Times New Roman" panose="02020603050405020304" pitchFamily="18" charset="0"/>
-            </a:endParaRPr>
+              <a:rPr lang="en-US" sz="4800" dirty="0"/>
+              <a:t>Wrap-up and </a:t>
+            </a:r>
+            <a:br>
+              <a:rPr lang="en-US" sz="4800" dirty="0"/>
+            </a:br>
+            <a:r>
+              <a:rPr lang="en-US" sz="4800" dirty="0"/>
+              <a:t>Final Questions/Comments</a:t>
+            </a:r>
           </a:p>
         </p:txBody>
       </p:sp>
     </p:spTree>
     <p:extLst>
       <p:ext uri="{BB962C8B-B14F-4D97-AF65-F5344CB8AC3E}">
-        <p14:creationId xmlns:p14="http://schemas.microsoft.com/office/powerpoint/2010/main" val="2996138992"/>
+        <p14:creationId xmlns:p14="http://schemas.microsoft.com/office/powerpoint/2010/main" val="1650477148"/>
       </p:ext>
     </p:extLst>
   </p:cSld>
@@ -6450,72 +6432,6 @@
       </p:grpSpPr>
       <p:sp>
         <p:nvSpPr>
-          <p:cNvPr id="2" name="Title 1"/>
-          <p:cNvSpPr>
-            <a:spLocks noGrp="1"/>
-          </p:cNvSpPr>
-          <p:nvPr>
-            <p:ph type="ctrTitle"/>
-          </p:nvPr>
-        </p:nvSpPr>
-        <p:spPr>
-          <a:xfrm>
-            <a:off x="654951" y="3025490"/>
-            <a:ext cx="10013049" cy="807019"/>
-          </a:xfrm>
-        </p:spPr>
-        <p:txBody>
-          <a:bodyPr anchor="ctr">
-            <a:noAutofit/>
-          </a:bodyPr>
-          <a:lstStyle/>
-          <a:p>
-            <a:r>
-              <a:rPr lang="en-US" sz="4800" dirty="0"/>
-              <a:t>Wrap-up and </a:t>
-            </a:r>
-            <a:br>
-              <a:rPr lang="en-US" sz="4800" dirty="0"/>
-            </a:br>
-            <a:r>
-              <a:rPr lang="en-US" sz="4800" dirty="0"/>
-              <a:t>Final Questions/Comments</a:t>
-            </a:r>
-          </a:p>
-        </p:txBody>
-      </p:sp>
-    </p:spTree>
-    <p:extLst>
-      <p:ext uri="{BB962C8B-B14F-4D97-AF65-F5344CB8AC3E}">
-        <p14:creationId xmlns:p14="http://schemas.microsoft.com/office/powerpoint/2010/main" val="1650477148"/>
-      </p:ext>
-    </p:extLst>
-  </p:cSld>
-  <p:clrMapOvr>
-    <a:masterClrMapping/>
-  </p:clrMapOvr>
-</p:sld>
-</file>
-
-<file path=ppt/slides/slide16.xml><?xml version="1.0" encoding="utf-8"?>
-<p:sld xmlns:a="http://schemas.openxmlformats.org/drawingml/2006/main" xmlns:r="http://schemas.openxmlformats.org/officeDocument/2006/relationships" xmlns:p="http://schemas.openxmlformats.org/presentationml/2006/main">
-  <p:cSld>
-    <p:spTree>
-      <p:nvGrpSpPr>
-        <p:cNvPr id="1" name=""/>
-        <p:cNvGrpSpPr/>
-        <p:nvPr/>
-      </p:nvGrpSpPr>
-      <p:grpSpPr>
-        <a:xfrm>
-          <a:off x="0" y="0"/>
-          <a:ext cx="0" cy="0"/>
-          <a:chOff x="0" y="0"/>
-          <a:chExt cx="0" cy="0"/>
-        </a:xfrm>
-      </p:grpSpPr>
-      <p:sp>
-        <p:nvSpPr>
           <p:cNvPr id="2" name="Title 1">
             <a:extLst>
               <a:ext uri="{FF2B5EF4-FFF2-40B4-BE49-F238E27FC236}">
@@ -6537,7 +6453,7 @@
           <a:p>
             <a:r>
               <a:rPr lang="en-US" dirty="0"/>
-              <a:t>Assignment for Thursday</a:t>
+              <a:t>Assignment for Next Class</a:t>
             </a:r>
           </a:p>
         </p:txBody>
@@ -6570,76 +6486,42 @@
           </a:bodyPr>
           <a:lstStyle/>
           <a:p>
+            <a:pPr marL="0" indent="0">
+              <a:buNone/>
+            </a:pPr>
             <a:r>
               <a:rPr lang="en-US" dirty="0"/>
-              <a:t>Review and start working on Programming Assignment 1, Quiz 1, and Discussion Board 1. </a:t>
-            </a:r>
-          </a:p>
-          <a:p>
+              <a:t>Review Blackboard</a:t>
+            </a:r>
+          </a:p>
+          <a:p>
+            <a:pPr marL="0" indent="0">
+              <a:buNone/>
+            </a:pPr>
+            <a:endParaRPr lang="en-US" dirty="0"/>
+          </a:p>
+          <a:p>
+            <a:pPr marL="0" indent="0">
+              <a:buNone/>
+            </a:pPr>
             <a:r>
               <a:rPr lang="en-US" dirty="0"/>
-              <a:t>Complete "Object-Oriented Programming Concepts &amp; Practices" </a:t>
-            </a:r>
-            <a:r>
-              <a:rPr lang="en-US" u="sng" dirty="0">
-                <a:hlinkClick r:id="rId2"/>
-              </a:rPr>
-              <a:t>[video]</a:t>
-            </a:r>
-            <a:r>
-              <a:rPr lang="en-US" dirty="0"/>
-              <a:t> </a:t>
-            </a:r>
-            <a:r>
-              <a:rPr lang="en-US" u="sng" dirty="0">
-                <a:hlinkClick r:id="rId3"/>
-              </a:rPr>
-              <a:t>[slides]</a:t>
-            </a:r>
-            <a:r>
-              <a:rPr lang="en-US" dirty="0"/>
-              <a:t> ~1 hour</a:t>
-            </a:r>
-          </a:p>
-          <a:p>
-            <a:r>
-              <a:rPr lang="en-US" dirty="0"/>
-              <a:t>Analyze and commit to adopting the "How to Be a Success Programmer" suggestions that you feel are the most important </a:t>
-            </a:r>
-            <a:r>
-              <a:rPr lang="en-US" u="sng" dirty="0">
-                <a:hlinkClick r:id="rId4"/>
-              </a:rPr>
-              <a:t>[link]</a:t>
-            </a:r>
+              <a:t>Be ready to form Scrum teams</a:t>
+            </a:r>
+          </a:p>
+          <a:p>
+            <a:pPr marL="0" indent="0">
+              <a:buNone/>
+            </a:pPr>
             <a:endParaRPr lang="en-US" dirty="0"/>
           </a:p>
           <a:p>
-            <a:r>
-              <a:rPr lang="en-US" dirty="0"/>
-              <a:t>Review "Introduction to Scrum in 7 Minutes" </a:t>
-            </a:r>
-            <a:r>
-              <a:rPr lang="en-US" u="sng" dirty="0">
-                <a:hlinkClick r:id="rId5"/>
-              </a:rPr>
-              <a:t>[video]</a:t>
-            </a:r>
-            <a:endParaRPr lang="en-US" dirty="0"/>
-          </a:p>
-          <a:p>
             <a:pPr marL="0" indent="0">
               <a:buNone/>
             </a:pPr>
-            <a:endParaRPr lang="en-US" b="1" u="sng" dirty="0"/>
-          </a:p>
-          <a:p>
-            <a:pPr marL="0" indent="0">
-              <a:buNone/>
-            </a:pPr>
             <a:r>
               <a:rPr lang="en-US" b="1" dirty="0"/>
-              <a:t>Take your name tags with you and bring them back on Wednesday.</a:t>
+              <a:t>Take your name tags with you and bring them back to class through the end of Sprint 2</a:t>
             </a:r>
           </a:p>
           <a:p>
@@ -6666,7 +6548,7 @@
 </p:sld>
 </file>
 
-<file path=ppt/slides/slide17.xml><?xml version="1.0" encoding="utf-8"?>
+<file path=ppt/slides/slide16.xml><?xml version="1.0" encoding="utf-8"?>
 <p:sld xmlns:a="http://schemas.openxmlformats.org/drawingml/2006/main" xmlns:r="http://schemas.openxmlformats.org/officeDocument/2006/relationships" xmlns:p="http://schemas.openxmlformats.org/presentationml/2006/main">
   <p:cSld>
     <p:bg>
@@ -6726,377 +6608,6 @@
     <p:extLst>
       <p:ext uri="{BB962C8B-B14F-4D97-AF65-F5344CB8AC3E}">
         <p14:creationId xmlns:p14="http://schemas.microsoft.com/office/powerpoint/2010/main" val="1130818612"/>
-      </p:ext>
-    </p:extLst>
-  </p:cSld>
-  <p:clrMapOvr>
-    <a:masterClrMapping/>
-  </p:clrMapOvr>
-</p:sld>
-</file>
-
-<file path=ppt/slides/slide18.xml><?xml version="1.0" encoding="utf-8"?>
-<p:sld xmlns:a="http://schemas.openxmlformats.org/drawingml/2006/main" xmlns:r="http://schemas.openxmlformats.org/officeDocument/2006/relationships" xmlns:p="http://schemas.openxmlformats.org/presentationml/2006/main">
-  <p:cSld>
-    <p:bg>
-      <p:bgPr>
-        <a:solidFill>
-          <a:schemeClr val="bg1">
-            <a:lumMod val="85000"/>
-          </a:schemeClr>
-        </a:solidFill>
-        <a:effectLst/>
-      </p:bgPr>
-    </p:bg>
-    <p:spTree>
-      <p:nvGrpSpPr>
-        <p:cNvPr id="1" name=""/>
-        <p:cNvGrpSpPr/>
-        <p:nvPr/>
-      </p:nvGrpSpPr>
-      <p:grpSpPr>
-        <a:xfrm>
-          <a:off x="0" y="0"/>
-          <a:ext cx="0" cy="0"/>
-          <a:chOff x="0" y="0"/>
-          <a:chExt cx="0" cy="0"/>
-        </a:xfrm>
-      </p:grpSpPr>
-      <p:sp>
-        <p:nvSpPr>
-          <p:cNvPr id="2" name="Title 1"/>
-          <p:cNvSpPr>
-            <a:spLocks noGrp="1"/>
-          </p:cNvSpPr>
-          <p:nvPr>
-            <p:ph type="ctrTitle"/>
-          </p:nvPr>
-        </p:nvSpPr>
-        <p:spPr>
-          <a:xfrm>
-            <a:off x="1524000" y="3098558"/>
-            <a:ext cx="9144000" cy="660884"/>
-          </a:xfrm>
-        </p:spPr>
-        <p:txBody>
-          <a:bodyPr>
-            <a:noAutofit/>
-          </a:bodyPr>
-          <a:lstStyle/>
-          <a:p>
-            <a:r>
-              <a:rPr lang="en-US" sz="4800" dirty="0"/>
-              <a:t>Backup Slides</a:t>
-            </a:r>
-          </a:p>
-        </p:txBody>
-      </p:sp>
-    </p:spTree>
-    <p:extLst>
-      <p:ext uri="{BB962C8B-B14F-4D97-AF65-F5344CB8AC3E}">
-        <p14:creationId xmlns:p14="http://schemas.microsoft.com/office/powerpoint/2010/main" val="3976951714"/>
-      </p:ext>
-    </p:extLst>
-  </p:cSld>
-  <p:clrMapOvr>
-    <a:masterClrMapping/>
-  </p:clrMapOvr>
-</p:sld>
-</file>
-
-<file path=ppt/slides/slide19.xml><?xml version="1.0" encoding="utf-8"?>
-<p:sld xmlns:a="http://schemas.openxmlformats.org/drawingml/2006/main" xmlns:r="http://schemas.openxmlformats.org/officeDocument/2006/relationships" xmlns:p="http://schemas.openxmlformats.org/presentationml/2006/main">
-  <p:cSld>
-    <p:spTree>
-      <p:nvGrpSpPr>
-        <p:cNvPr id="1" name=""/>
-        <p:cNvGrpSpPr/>
-        <p:nvPr/>
-      </p:nvGrpSpPr>
-      <p:grpSpPr>
-        <a:xfrm>
-          <a:off x="0" y="0"/>
-          <a:ext cx="0" cy="0"/>
-          <a:chOff x="0" y="0"/>
-          <a:chExt cx="0" cy="0"/>
-        </a:xfrm>
-      </p:grpSpPr>
-      <p:sp>
-        <p:nvSpPr>
-          <p:cNvPr id="2" name="Title 1"/>
-          <p:cNvSpPr>
-            <a:spLocks noGrp="1"/>
-          </p:cNvSpPr>
-          <p:nvPr>
-            <p:ph type="ctrTitle"/>
-          </p:nvPr>
-        </p:nvSpPr>
-        <p:spPr>
-          <a:xfrm>
-            <a:off x="1524000" y="1122365"/>
-            <a:ext cx="9144000" cy="1839044"/>
-          </a:xfrm>
-        </p:spPr>
-        <p:txBody>
-          <a:bodyPr>
-            <a:normAutofit/>
-          </a:bodyPr>
-          <a:lstStyle/>
-          <a:p>
-            <a:r>
-              <a:rPr lang="en-US" sz="4800" dirty="0"/>
-              <a:t>Lab</a:t>
-            </a:r>
-          </a:p>
-        </p:txBody>
-      </p:sp>
-      <p:sp>
-        <p:nvSpPr>
-          <p:cNvPr id="3" name="Content Placeholder 2">
-            <a:extLst>
-              <a:ext uri="{FF2B5EF4-FFF2-40B4-BE49-F238E27FC236}">
-                <a16:creationId xmlns:a16="http://schemas.microsoft.com/office/drawing/2014/main" id="{384C868E-346E-4359-BF4F-AAEC6F6AA8BC}"/>
-              </a:ext>
-            </a:extLst>
-          </p:cNvPr>
-          <p:cNvSpPr txBox="1">
-            <a:spLocks/>
-          </p:cNvSpPr>
-          <p:nvPr/>
-        </p:nvSpPr>
-        <p:spPr>
-          <a:xfrm>
-            <a:off x="838199" y="3190008"/>
-            <a:ext cx="10515601" cy="3368107"/>
-          </a:xfrm>
-          <a:prstGeom prst="rect">
-            <a:avLst/>
-          </a:prstGeom>
-        </p:spPr>
-        <p:txBody>
-          <a:bodyPr vert="horz" lIns="91440" tIns="45720" rIns="91440" bIns="45720" rtlCol="0">
-            <a:noAutofit/>
-          </a:bodyPr>
-          <a:lstStyle>
-            <a:lvl1pPr marL="0" indent="0" algn="ctr" defTabSz="914400" rtl="0" eaLnBrk="1" latinLnBrk="0" hangingPunct="1">
-              <a:lnSpc>
-                <a:spcPct val="90000"/>
-              </a:lnSpc>
-              <a:spcBef>
-                <a:spcPts val="1000"/>
-              </a:spcBef>
-              <a:buFont typeface="Arial" panose="020B0604020202020204" pitchFamily="34" charset="0"/>
-              <a:buNone/>
-              <a:defRPr sz="2400" kern="1200">
-                <a:solidFill>
-                  <a:schemeClr val="tx1"/>
-                </a:solidFill>
-                <a:latin typeface="+mn-lt"/>
-                <a:ea typeface="+mn-ea"/>
-                <a:cs typeface="+mn-cs"/>
-              </a:defRPr>
-            </a:lvl1pPr>
-            <a:lvl2pPr marL="457200" indent="0" algn="ctr" defTabSz="914400" rtl="0" eaLnBrk="1" latinLnBrk="0" hangingPunct="1">
-              <a:lnSpc>
-                <a:spcPct val="90000"/>
-              </a:lnSpc>
-              <a:spcBef>
-                <a:spcPts val="500"/>
-              </a:spcBef>
-              <a:buFont typeface="Arial" panose="020B0604020202020204" pitchFamily="34" charset="0"/>
-              <a:buNone/>
-              <a:defRPr sz="2000" kern="1200">
-                <a:solidFill>
-                  <a:schemeClr val="tx1"/>
-                </a:solidFill>
-                <a:latin typeface="+mn-lt"/>
-                <a:ea typeface="+mn-ea"/>
-                <a:cs typeface="+mn-cs"/>
-              </a:defRPr>
-            </a:lvl2pPr>
-            <a:lvl3pPr marL="914400" indent="0" algn="ctr" defTabSz="914400" rtl="0" eaLnBrk="1" latinLnBrk="0" hangingPunct="1">
-              <a:lnSpc>
-                <a:spcPct val="90000"/>
-              </a:lnSpc>
-              <a:spcBef>
-                <a:spcPts val="500"/>
-              </a:spcBef>
-              <a:buFont typeface="Arial" panose="020B0604020202020204" pitchFamily="34" charset="0"/>
-              <a:buNone/>
-              <a:defRPr sz="1800" kern="1200">
-                <a:solidFill>
-                  <a:schemeClr val="tx1"/>
-                </a:solidFill>
-                <a:latin typeface="+mn-lt"/>
-                <a:ea typeface="+mn-ea"/>
-                <a:cs typeface="+mn-cs"/>
-              </a:defRPr>
-            </a:lvl3pPr>
-            <a:lvl4pPr marL="1371600" indent="0" algn="ctr" defTabSz="914400" rtl="0" eaLnBrk="1" latinLnBrk="0" hangingPunct="1">
-              <a:lnSpc>
-                <a:spcPct val="90000"/>
-              </a:lnSpc>
-              <a:spcBef>
-                <a:spcPts val="500"/>
-              </a:spcBef>
-              <a:buFont typeface="Arial" panose="020B0604020202020204" pitchFamily="34" charset="0"/>
-              <a:buNone/>
-              <a:defRPr sz="1600" kern="1200">
-                <a:solidFill>
-                  <a:schemeClr val="tx1"/>
-                </a:solidFill>
-                <a:latin typeface="+mn-lt"/>
-                <a:ea typeface="+mn-ea"/>
-                <a:cs typeface="+mn-cs"/>
-              </a:defRPr>
-            </a:lvl4pPr>
-            <a:lvl5pPr marL="1828800" indent="0" algn="ctr" defTabSz="914400" rtl="0" eaLnBrk="1" latinLnBrk="0" hangingPunct="1">
-              <a:lnSpc>
-                <a:spcPct val="90000"/>
-              </a:lnSpc>
-              <a:spcBef>
-                <a:spcPts val="500"/>
-              </a:spcBef>
-              <a:buFont typeface="Arial" panose="020B0604020202020204" pitchFamily="34" charset="0"/>
-              <a:buNone/>
-              <a:defRPr sz="1600" kern="1200">
-                <a:solidFill>
-                  <a:schemeClr val="tx1"/>
-                </a:solidFill>
-                <a:latin typeface="+mn-lt"/>
-                <a:ea typeface="+mn-ea"/>
-                <a:cs typeface="+mn-cs"/>
-              </a:defRPr>
-            </a:lvl5pPr>
-            <a:lvl6pPr marL="2286000" indent="0" algn="ctr" defTabSz="914400" rtl="0" eaLnBrk="1" latinLnBrk="0" hangingPunct="1">
-              <a:lnSpc>
-                <a:spcPct val="90000"/>
-              </a:lnSpc>
-              <a:spcBef>
-                <a:spcPts val="500"/>
-              </a:spcBef>
-              <a:buFont typeface="Arial" panose="020B0604020202020204" pitchFamily="34" charset="0"/>
-              <a:buNone/>
-              <a:defRPr sz="1600" kern="1200">
-                <a:solidFill>
-                  <a:schemeClr val="tx1"/>
-                </a:solidFill>
-                <a:latin typeface="+mn-lt"/>
-                <a:ea typeface="+mn-ea"/>
-                <a:cs typeface="+mn-cs"/>
-              </a:defRPr>
-            </a:lvl6pPr>
-            <a:lvl7pPr marL="2743200" indent="0" algn="ctr" defTabSz="914400" rtl="0" eaLnBrk="1" latinLnBrk="0" hangingPunct="1">
-              <a:lnSpc>
-                <a:spcPct val="90000"/>
-              </a:lnSpc>
-              <a:spcBef>
-                <a:spcPts val="500"/>
-              </a:spcBef>
-              <a:buFont typeface="Arial" panose="020B0604020202020204" pitchFamily="34" charset="0"/>
-              <a:buNone/>
-              <a:defRPr sz="1600" kern="1200">
-                <a:solidFill>
-                  <a:schemeClr val="tx1"/>
-                </a:solidFill>
-                <a:latin typeface="+mn-lt"/>
-                <a:ea typeface="+mn-ea"/>
-                <a:cs typeface="+mn-cs"/>
-              </a:defRPr>
-            </a:lvl7pPr>
-            <a:lvl8pPr marL="3200400" indent="0" algn="ctr" defTabSz="914400" rtl="0" eaLnBrk="1" latinLnBrk="0" hangingPunct="1">
-              <a:lnSpc>
-                <a:spcPct val="90000"/>
-              </a:lnSpc>
-              <a:spcBef>
-                <a:spcPts val="500"/>
-              </a:spcBef>
-              <a:buFont typeface="Arial" panose="020B0604020202020204" pitchFamily="34" charset="0"/>
-              <a:buNone/>
-              <a:defRPr sz="1600" kern="1200">
-                <a:solidFill>
-                  <a:schemeClr val="tx1"/>
-                </a:solidFill>
-                <a:latin typeface="+mn-lt"/>
-                <a:ea typeface="+mn-ea"/>
-                <a:cs typeface="+mn-cs"/>
-              </a:defRPr>
-            </a:lvl8pPr>
-            <a:lvl9pPr marL="3657600" indent="0" algn="ctr" defTabSz="914400" rtl="0" eaLnBrk="1" latinLnBrk="0" hangingPunct="1">
-              <a:lnSpc>
-                <a:spcPct val="90000"/>
-              </a:lnSpc>
-              <a:spcBef>
-                <a:spcPts val="500"/>
-              </a:spcBef>
-              <a:buFont typeface="Arial" panose="020B0604020202020204" pitchFamily="34" charset="0"/>
-              <a:buNone/>
-              <a:defRPr sz="1600" kern="1200">
-                <a:solidFill>
-                  <a:schemeClr val="tx1"/>
-                </a:solidFill>
-                <a:latin typeface="+mn-lt"/>
-                <a:ea typeface="+mn-ea"/>
-                <a:cs typeface="+mn-cs"/>
-              </a:defRPr>
-            </a:lvl9pPr>
-          </a:lstStyle>
-          <a:p>
-            <a:pPr algn="l">
-              <a:spcBef>
-                <a:spcPts val="0"/>
-              </a:spcBef>
-            </a:pPr>
-            <a:r>
-              <a:rPr lang="en-US" sz="2000" u="sng" dirty="0"/>
-              <a:t>Lab Activates:</a:t>
-            </a:r>
-          </a:p>
-          <a:p>
-            <a:pPr marL="457200" indent="-457200" algn="l">
-              <a:spcBef>
-                <a:spcPts val="0"/>
-              </a:spcBef>
-              <a:buFont typeface="+mj-lt"/>
-              <a:buAutoNum type="arabicPeriod"/>
-            </a:pPr>
-            <a:r>
-              <a:rPr lang="en-US" sz="2000" dirty="0"/>
-              <a:t>Install Java environment</a:t>
-            </a:r>
-          </a:p>
-          <a:p>
-            <a:pPr marL="457200" indent="-457200" algn="l">
-              <a:spcBef>
-                <a:spcPts val="0"/>
-              </a:spcBef>
-              <a:buFont typeface="+mj-lt"/>
-              <a:buAutoNum type="arabicPeriod"/>
-            </a:pPr>
-            <a:r>
-              <a:rPr lang="en-US" sz="2000" dirty="0"/>
-              <a:t>Install Visual Studio Code… or other preferred text editor</a:t>
-            </a:r>
-          </a:p>
-          <a:p>
-            <a:pPr marL="457200" indent="-457200" algn="l">
-              <a:spcBef>
-                <a:spcPts val="0"/>
-              </a:spcBef>
-              <a:buFont typeface="+mj-lt"/>
-              <a:buAutoNum type="arabicPeriod"/>
-            </a:pPr>
-            <a:r>
-              <a:rPr lang="en-US" sz="2000" dirty="0"/>
-              <a:t>Hello World or BMI Calculator coding together</a:t>
-            </a:r>
-          </a:p>
-        </p:txBody>
-      </p:sp>
-    </p:spTree>
-    <p:extLst>
-      <p:ext uri="{BB962C8B-B14F-4D97-AF65-F5344CB8AC3E}">
-        <p14:creationId xmlns:p14="http://schemas.microsoft.com/office/powerpoint/2010/main" val="3340901311"/>
       </p:ext>
     </p:extLst>
   </p:cSld>

--- a/lecture-presentations/2019-01-15.pptx
+++ b/lecture-presentations/2019-01-15.pptx
@@ -5,7 +5,7 @@
     <p:sldMasterId id="2147483648" r:id="rId1"/>
   </p:sldMasterIdLst>
   <p:notesMasterIdLst>
-    <p:notesMasterId r:id="rId18"/>
+    <p:notesMasterId r:id="rId19"/>
   </p:notesMasterIdLst>
   <p:sldIdLst>
     <p:sldId id="305" r:id="rId2"/>
@@ -24,6 +24,7 @@
     <p:sldId id="315" r:id="rId15"/>
     <p:sldId id="318" r:id="rId16"/>
     <p:sldId id="271" r:id="rId17"/>
+    <p:sldId id="504" r:id="rId18"/>
   </p:sldIdLst>
   <p:sldSz cx="12192000" cy="6858000"/>
   <p:notesSz cx="6858000" cy="9144000"/>
@@ -212,7 +213,7 @@
           <a:p>
             <a:fld id="{A677DEB0-5AA4-49C7-B0AD-AD047A002C4C}" type="datetimeFigureOut">
               <a:rPr lang="en-US" smtClean="0"/>
-              <a:t>1/11/2019</a:t>
+              <a:t>1/14/2019</a:t>
             </a:fld>
             <a:endParaRPr lang="en-US"/>
           </a:p>
@@ -1014,6 +1015,192 @@
 </p:notes>
 </file>
 
+<file path=ppt/notesSlides/notesSlide15.xml><?xml version="1.0" encoding="utf-8"?>
+<p:notes xmlns:a="http://schemas.openxmlformats.org/drawingml/2006/main" xmlns:r="http://schemas.openxmlformats.org/officeDocument/2006/relationships" xmlns:p="http://schemas.openxmlformats.org/presentationml/2006/main">
+  <p:cSld>
+    <p:spTree>
+      <p:nvGrpSpPr>
+        <p:cNvPr id="1" name=""/>
+        <p:cNvGrpSpPr/>
+        <p:nvPr/>
+      </p:nvGrpSpPr>
+      <p:grpSpPr>
+        <a:xfrm>
+          <a:off x="0" y="0"/>
+          <a:ext cx="0" cy="0"/>
+          <a:chOff x="0" y="0"/>
+          <a:chExt cx="0" cy="0"/>
+        </a:xfrm>
+      </p:grpSpPr>
+      <p:sp>
+        <p:nvSpPr>
+          <p:cNvPr id="2" name="Slide Image Placeholder 1"/>
+          <p:cNvSpPr>
+            <a:spLocks noGrp="1" noRot="1" noChangeAspect="1"/>
+          </p:cNvSpPr>
+          <p:nvPr>
+            <p:ph type="sldImg"/>
+          </p:nvPr>
+        </p:nvSpPr>
+        <p:spPr/>
+      </p:sp>
+      <p:sp>
+        <p:nvSpPr>
+          <p:cNvPr id="3" name="Notes Placeholder 2"/>
+          <p:cNvSpPr>
+            <a:spLocks noGrp="1"/>
+          </p:cNvSpPr>
+          <p:nvPr>
+            <p:ph type="body" idx="1"/>
+          </p:nvPr>
+        </p:nvSpPr>
+        <p:spPr/>
+        <p:txBody>
+          <a:bodyPr/>
+          <a:lstStyle/>
+          <a:p>
+            <a:r>
+              <a:rPr lang="en-US" sz="1200" dirty="0"/>
+              <a:t>This was kind of “hippy-</a:t>
+            </a:r>
+            <a:r>
+              <a:rPr lang="en-US" sz="1200" dirty="0" err="1"/>
+              <a:t>ish</a:t>
+            </a:r>
+            <a:r>
+              <a:rPr lang="en-US" sz="1200" dirty="0"/>
+              <a:t>” and egalitarian in its day… quite controversial in its day</a:t>
+            </a:r>
+          </a:p>
+          <a:p>
+            <a:r>
+              <a:rPr lang="en-US" sz="1200" dirty="0"/>
+              <a:t>“Everyone is a team member and is responsible for the work getting done”… we don’t need no titles or positions… self-organizing… we will make our own commitments… transparency (let’s share the information)… flexible/organic teams, organic architecture (minimal documentation/standards)… no contracts (let’s talk it over)</a:t>
+            </a:r>
+          </a:p>
+          <a:p>
+            <a:endParaRPr lang="en-US" sz="1200" dirty="0"/>
+          </a:p>
+          <a:p>
+            <a:r>
+              <a:rPr lang="en-US" sz="1200" dirty="0"/>
+              <a:t>The flip side:</a:t>
+            </a:r>
+          </a:p>
+          <a:p>
+            <a:pPr marL="171450" indent="-171450">
+              <a:buFont typeface="Arial" panose="020B0604020202020204" pitchFamily="34" charset="0"/>
+              <a:buChar char="•"/>
+            </a:pPr>
+            <a:r>
+              <a:rPr lang="en-US" sz="1200" dirty="0"/>
+              <a:t>We will actively and voluntarily play important roles on our team</a:t>
+            </a:r>
+          </a:p>
+          <a:p>
+            <a:pPr marL="171450" indent="-171450">
+              <a:buFont typeface="Arial" panose="020B0604020202020204" pitchFamily="34" charset="0"/>
+              <a:buChar char="•"/>
+            </a:pPr>
+            <a:r>
+              <a:rPr lang="en-US" sz="1200" dirty="0"/>
+              <a:t>The rules (rituals) that we do have… we WILL follow</a:t>
+            </a:r>
+          </a:p>
+          <a:p>
+            <a:pPr marL="171450" indent="-171450">
+              <a:buFont typeface="Arial" panose="020B0604020202020204" pitchFamily="34" charset="0"/>
+              <a:buChar char="•"/>
+            </a:pPr>
+            <a:r>
+              <a:rPr lang="en-US" sz="1200" dirty="0"/>
+              <a:t>We will create, demo, and release working software/products</a:t>
+            </a:r>
+          </a:p>
+          <a:p>
+            <a:pPr marL="171450" indent="-171450">
+              <a:buFont typeface="Arial" panose="020B0604020202020204" pitchFamily="34" charset="0"/>
+              <a:buChar char="•"/>
+            </a:pPr>
+            <a:r>
+              <a:rPr lang="en-US" sz="1200" dirty="0"/>
+              <a:t>We will utilize practical processes, tools, documentation, and planning</a:t>
+            </a:r>
+          </a:p>
+          <a:p>
+            <a:pPr marL="171450" indent="-171450">
+              <a:buFont typeface="Arial" panose="020B0604020202020204" pitchFamily="34" charset="0"/>
+              <a:buChar char="•"/>
+            </a:pPr>
+            <a:r>
+              <a:rPr lang="en-US" sz="1200" dirty="0"/>
+              <a:t>When we make commitments, we will live up to those commitments… as a team (“No winners on a losing team, and no losers on a winning team”)</a:t>
+            </a:r>
+          </a:p>
+          <a:p>
+            <a:pPr marL="171450" indent="-171450">
+              <a:buFont typeface="Arial" panose="020B0604020202020204" pitchFamily="34" charset="0"/>
+              <a:buChar char="•"/>
+            </a:pPr>
+            <a:r>
+              <a:rPr lang="en-US" sz="1200" dirty="0"/>
+              <a:t>We will be responsive and continuously improve (Retrospectives)</a:t>
+            </a:r>
+          </a:p>
+          <a:p>
+            <a:pPr marL="171450" indent="-171450">
+              <a:buFont typeface="Arial" panose="020B0604020202020204" pitchFamily="34" charset="0"/>
+              <a:buChar char="•"/>
+            </a:pPr>
+            <a:r>
+              <a:rPr lang="en-US" sz="1200" dirty="0"/>
+              <a:t>We will be transparent with how WE work and share our information</a:t>
+            </a:r>
+          </a:p>
+          <a:p>
+            <a:endParaRPr lang="en-US" sz="1200" dirty="0"/>
+          </a:p>
+          <a:p>
+            <a:endParaRPr lang="en-US" dirty="0"/>
+          </a:p>
+        </p:txBody>
+      </p:sp>
+      <p:sp>
+        <p:nvSpPr>
+          <p:cNvPr id="4" name="Slide Number Placeholder 3"/>
+          <p:cNvSpPr>
+            <a:spLocks noGrp="1"/>
+          </p:cNvSpPr>
+          <p:nvPr>
+            <p:ph type="sldNum" sz="quarter" idx="10"/>
+          </p:nvPr>
+        </p:nvSpPr>
+        <p:spPr/>
+        <p:txBody>
+          <a:bodyPr/>
+          <a:lstStyle/>
+          <a:p>
+            <a:fld id="{23B99BB9-C7F6-43B3-A122-46088ABB36FB}" type="slidenum">
+              <a:rPr lang="en-US" smtClean="0"/>
+              <a:t>17</a:t>
+            </a:fld>
+            <a:endParaRPr lang="en-US"/>
+          </a:p>
+        </p:txBody>
+      </p:sp>
+    </p:spTree>
+    <p:extLst>
+      <p:ext uri="{BB962C8B-B14F-4D97-AF65-F5344CB8AC3E}">
+        <p14:creationId xmlns:p14="http://schemas.microsoft.com/office/powerpoint/2010/main" val="3378088893"/>
+      </p:ext>
+    </p:extLst>
+  </p:cSld>
+  <p:clrMapOvr>
+    <a:masterClrMapping/>
+  </p:clrMapOvr>
+</p:notes>
+</file>
+
 <file path=ppt/notesSlides/notesSlide2.xml><?xml version="1.0" encoding="utf-8"?>
 <p:notes xmlns:a="http://schemas.openxmlformats.org/drawingml/2006/main" xmlns:r="http://schemas.openxmlformats.org/officeDocument/2006/relationships" xmlns:p="http://schemas.openxmlformats.org/presentationml/2006/main">
   <p:cSld>
@@ -1142,108 +1329,6 @@
           <a:bodyPr/>
           <a:lstStyle/>
           <a:p>
-            <a:r>
-              <a:rPr lang="en-US" sz="1200" dirty="0"/>
-              <a:t>This was kind of “hippy-</a:t>
-            </a:r>
-            <a:r>
-              <a:rPr lang="en-US" sz="1200" dirty="0" err="1"/>
-              <a:t>ish</a:t>
-            </a:r>
-            <a:r>
-              <a:rPr lang="en-US" sz="1200" dirty="0"/>
-              <a:t>” and egalitarian in its day… quite controversial in its day</a:t>
-            </a:r>
-          </a:p>
-          <a:p>
-            <a:r>
-              <a:rPr lang="en-US" sz="1200" dirty="0"/>
-              <a:t>“Everyone is a team member and is responsible for the work getting done”… we don’t need no titles or positions… self-organizing… we will make our own commitments… transparency (let’s share the information)… flexible/organic teams, organic architecture (minimal documentation/standards)… no contracts (let’s talk it over)</a:t>
-            </a:r>
-          </a:p>
-          <a:p>
-            <a:endParaRPr lang="en-US" sz="1200" dirty="0"/>
-          </a:p>
-          <a:p>
-            <a:r>
-              <a:rPr lang="en-US" sz="1200" dirty="0"/>
-              <a:t>The flip side:</a:t>
-            </a:r>
-          </a:p>
-          <a:p>
-            <a:pPr marL="171450" indent="-171450">
-              <a:buFont typeface="Arial" panose="020B0604020202020204" pitchFamily="34" charset="0"/>
-              <a:buChar char="•"/>
-            </a:pPr>
-            <a:r>
-              <a:rPr lang="en-US" sz="1200" dirty="0"/>
-              <a:t>We will actively and voluntarily play important roles on our team</a:t>
-            </a:r>
-          </a:p>
-          <a:p>
-            <a:pPr marL="171450" indent="-171450">
-              <a:buFont typeface="Arial" panose="020B0604020202020204" pitchFamily="34" charset="0"/>
-              <a:buChar char="•"/>
-            </a:pPr>
-            <a:r>
-              <a:rPr lang="en-US" sz="1200" dirty="0"/>
-              <a:t>The rules (rituals) that we do have… we WILL follow</a:t>
-            </a:r>
-          </a:p>
-          <a:p>
-            <a:pPr marL="171450" indent="-171450">
-              <a:buFont typeface="Arial" panose="020B0604020202020204" pitchFamily="34" charset="0"/>
-              <a:buChar char="•"/>
-            </a:pPr>
-            <a:r>
-              <a:rPr lang="en-US" sz="1200" dirty="0"/>
-              <a:t>We will create, demo, and release working software/products</a:t>
-            </a:r>
-          </a:p>
-          <a:p>
-            <a:pPr marL="171450" indent="-171450">
-              <a:buFont typeface="Arial" panose="020B0604020202020204" pitchFamily="34" charset="0"/>
-              <a:buChar char="•"/>
-            </a:pPr>
-            <a:r>
-              <a:rPr lang="en-US" sz="1200" dirty="0"/>
-              <a:t>We will utilize practical processes, tools, documentation, and planning</a:t>
-            </a:r>
-          </a:p>
-          <a:p>
-            <a:pPr marL="171450" indent="-171450">
-              <a:buFont typeface="Arial" panose="020B0604020202020204" pitchFamily="34" charset="0"/>
-              <a:buChar char="•"/>
-            </a:pPr>
-            <a:r>
-              <a:rPr lang="en-US" sz="1200" dirty="0"/>
-              <a:t>When we make commitments, we will live up to those commitments… as a team (“No winners on a losing team, and no losers on a winning team”)</a:t>
-            </a:r>
-          </a:p>
-          <a:p>
-            <a:pPr marL="171450" indent="-171450">
-              <a:buFont typeface="Arial" panose="020B0604020202020204" pitchFamily="34" charset="0"/>
-              <a:buChar char="•"/>
-            </a:pPr>
-            <a:r>
-              <a:rPr lang="en-US" sz="1200" dirty="0"/>
-              <a:t>We will be responsive and continuously improve (Retrospectives)</a:t>
-            </a:r>
-          </a:p>
-          <a:p>
-            <a:pPr marL="171450" indent="-171450">
-              <a:buFont typeface="Arial" panose="020B0604020202020204" pitchFamily="34" charset="0"/>
-              <a:buChar char="•"/>
-            </a:pPr>
-            <a:r>
-              <a:rPr lang="en-US" sz="1200" dirty="0"/>
-              <a:t>We will be transparent with how WE work and share our information</a:t>
-            </a:r>
-          </a:p>
-          <a:p>
-            <a:endParaRPr lang="en-US" sz="1200" dirty="0"/>
-          </a:p>
-          <a:p>
             <a:endParaRPr lang="en-US" dirty="0"/>
           </a:p>
         </p:txBody>
@@ -1941,7 +2026,7 @@
           <a:p>
             <a:fld id="{1B52E0E1-344B-4E26-B5AD-CE86AB802485}" type="datetimeFigureOut">
               <a:rPr lang="en-US" smtClean="0"/>
-              <a:t>1/11/2019</a:t>
+              <a:t>1/14/2019</a:t>
             </a:fld>
             <a:endParaRPr lang="en-US"/>
           </a:p>
@@ -2139,7 +2224,7 @@
           <a:p>
             <a:fld id="{1B52E0E1-344B-4E26-B5AD-CE86AB802485}" type="datetimeFigureOut">
               <a:rPr lang="en-US" smtClean="0"/>
-              <a:t>1/11/2019</a:t>
+              <a:t>1/14/2019</a:t>
             </a:fld>
             <a:endParaRPr lang="en-US"/>
           </a:p>
@@ -2347,7 +2432,7 @@
           <a:p>
             <a:fld id="{1B52E0E1-344B-4E26-B5AD-CE86AB802485}" type="datetimeFigureOut">
               <a:rPr lang="en-US" smtClean="0"/>
-              <a:t>1/11/2019</a:t>
+              <a:t>1/14/2019</a:t>
             </a:fld>
             <a:endParaRPr lang="en-US"/>
           </a:p>
@@ -2545,7 +2630,7 @@
           <a:p>
             <a:fld id="{1B52E0E1-344B-4E26-B5AD-CE86AB802485}" type="datetimeFigureOut">
               <a:rPr lang="en-US" smtClean="0"/>
-              <a:t>1/11/2019</a:t>
+              <a:t>1/14/2019</a:t>
             </a:fld>
             <a:endParaRPr lang="en-US"/>
           </a:p>
@@ -2820,7 +2905,7 @@
           <a:p>
             <a:fld id="{1B52E0E1-344B-4E26-B5AD-CE86AB802485}" type="datetimeFigureOut">
               <a:rPr lang="en-US" smtClean="0"/>
-              <a:t>1/11/2019</a:t>
+              <a:t>1/14/2019</a:t>
             </a:fld>
             <a:endParaRPr lang="en-US"/>
           </a:p>
@@ -3085,7 +3170,7 @@
           <a:p>
             <a:fld id="{1B52E0E1-344B-4E26-B5AD-CE86AB802485}" type="datetimeFigureOut">
               <a:rPr lang="en-US" smtClean="0"/>
-              <a:t>1/11/2019</a:t>
+              <a:t>1/14/2019</a:t>
             </a:fld>
             <a:endParaRPr lang="en-US"/>
           </a:p>
@@ -3497,7 +3582,7 @@
           <a:p>
             <a:fld id="{1B52E0E1-344B-4E26-B5AD-CE86AB802485}" type="datetimeFigureOut">
               <a:rPr lang="en-US" smtClean="0"/>
-              <a:t>1/11/2019</a:t>
+              <a:t>1/14/2019</a:t>
             </a:fld>
             <a:endParaRPr lang="en-US"/>
           </a:p>
@@ -3638,7 +3723,7 @@
           <a:p>
             <a:fld id="{1B52E0E1-344B-4E26-B5AD-CE86AB802485}" type="datetimeFigureOut">
               <a:rPr lang="en-US" smtClean="0"/>
-              <a:t>1/11/2019</a:t>
+              <a:t>1/14/2019</a:t>
             </a:fld>
             <a:endParaRPr lang="en-US"/>
           </a:p>
@@ -3751,7 +3836,7 @@
           <a:p>
             <a:fld id="{1B52E0E1-344B-4E26-B5AD-CE86AB802485}" type="datetimeFigureOut">
               <a:rPr lang="en-US" smtClean="0"/>
-              <a:t>1/11/2019</a:t>
+              <a:t>1/14/2019</a:t>
             </a:fld>
             <a:endParaRPr lang="en-US"/>
           </a:p>
@@ -4062,7 +4147,7 @@
           <a:p>
             <a:fld id="{1B52E0E1-344B-4E26-B5AD-CE86AB802485}" type="datetimeFigureOut">
               <a:rPr lang="en-US" smtClean="0"/>
-              <a:t>1/11/2019</a:t>
+              <a:t>1/14/2019</a:t>
             </a:fld>
             <a:endParaRPr lang="en-US"/>
           </a:p>
@@ -4350,7 +4435,7 @@
           <a:p>
             <a:fld id="{1B52E0E1-344B-4E26-B5AD-CE86AB802485}" type="datetimeFigureOut">
               <a:rPr lang="en-US" smtClean="0"/>
-              <a:t>1/11/2019</a:t>
+              <a:t>1/14/2019</a:t>
             </a:fld>
             <a:endParaRPr lang="en-US"/>
           </a:p>
@@ -4591,7 +4676,7 @@
           <a:p>
             <a:fld id="{1B52E0E1-344B-4E26-B5AD-CE86AB802485}" type="datetimeFigureOut">
               <a:rPr lang="en-US" smtClean="0"/>
-              <a:t>1/11/2019</a:t>
+              <a:t>1/14/2019</a:t>
             </a:fld>
             <a:endParaRPr lang="en-US"/>
           </a:p>
@@ -5867,7 +5952,7 @@
             </a:pPr>
             <a:r>
               <a:rPr lang="en-US" sz="2000" dirty="0"/>
-              <a:t>Your turn for Introductions</a:t>
+              <a:t>Complete your turn for Introductions and Name Cards</a:t>
             </a:r>
           </a:p>
           <a:p>
@@ -6253,7 +6338,7 @@
                 <a:ea typeface="Calibri" panose="020F0502020204030204" pitchFamily="34" charset="0"/>
                 <a:cs typeface="Times New Roman" panose="02020603050405020304" pitchFamily="18" charset="0"/>
               </a:rPr>
-              <a:t>Leave a little space at the bottom so that you can add your Scrum team name Wednesday</a:t>
+              <a:t>Leave a little space at the bottom so that you can add your Scrum team name next class</a:t>
             </a:r>
           </a:p>
           <a:p>
@@ -6491,7 +6576,7 @@
             </a:pPr>
             <a:r>
               <a:rPr lang="en-US" dirty="0"/>
-              <a:t>Review Blackboard</a:t>
+              <a:t>Review Blackboard Activity &amp; Assignment list</a:t>
             </a:r>
           </a:p>
           <a:p>
@@ -6506,7 +6591,7 @@
             </a:pPr>
             <a:r>
               <a:rPr lang="en-US" dirty="0"/>
-              <a:t>Be ready to form Scrum teams</a:t>
+              <a:t>Be ready to form Scrum teams that each have a mix of skill sets</a:t>
             </a:r>
           </a:p>
           <a:p>
@@ -6617,6 +6702,166 @@
 </p:sld>
 </file>
 
+<file path=ppt/slides/slide17.xml><?xml version="1.0" encoding="utf-8"?>
+<p:sld xmlns:a="http://schemas.openxmlformats.org/drawingml/2006/main" xmlns:r="http://schemas.openxmlformats.org/officeDocument/2006/relationships" xmlns:p="http://schemas.openxmlformats.org/presentationml/2006/main">
+  <p:cSld>
+    <p:spTree>
+      <p:nvGrpSpPr>
+        <p:cNvPr id="1" name=""/>
+        <p:cNvGrpSpPr/>
+        <p:nvPr/>
+      </p:nvGrpSpPr>
+      <p:grpSpPr>
+        <a:xfrm>
+          <a:off x="0" y="0"/>
+          <a:ext cx="0" cy="0"/>
+          <a:chOff x="0" y="0"/>
+          <a:chExt cx="0" cy="0"/>
+        </a:xfrm>
+      </p:grpSpPr>
+      <p:sp>
+        <p:nvSpPr>
+          <p:cNvPr id="4" name="Title 1">
+            <a:extLst>
+              <a:ext uri="{FF2B5EF4-FFF2-40B4-BE49-F238E27FC236}">
+                <a16:creationId xmlns:a16="http://schemas.microsoft.com/office/drawing/2014/main" id="{527CE47F-3EF6-48CA-9239-E8B6E5C6B41A}"/>
+              </a:ext>
+            </a:extLst>
+          </p:cNvPr>
+          <p:cNvSpPr>
+            <a:spLocks noGrp="1"/>
+          </p:cNvSpPr>
+          <p:nvPr>
+            <p:ph type="title"/>
+          </p:nvPr>
+        </p:nvSpPr>
+        <p:spPr>
+          <a:xfrm>
+            <a:off x="838200" y="365125"/>
+            <a:ext cx="10515600" cy="1325563"/>
+          </a:xfrm>
+        </p:spPr>
+        <p:txBody>
+          <a:bodyPr>
+            <a:normAutofit/>
+          </a:bodyPr>
+          <a:lstStyle/>
+          <a:p>
+            <a:r>
+              <a:rPr lang="en-US" sz="3600" dirty="0">
+                <a:latin typeface="+mn-lt"/>
+              </a:rPr>
+              <a:t>Today’s “Friendly Conversation” topic</a:t>
+            </a:r>
+          </a:p>
+        </p:txBody>
+      </p:sp>
+      <p:sp>
+        <p:nvSpPr>
+          <p:cNvPr id="5" name="Content Placeholder 2">
+            <a:extLst>
+              <a:ext uri="{FF2B5EF4-FFF2-40B4-BE49-F238E27FC236}">
+                <a16:creationId xmlns:a16="http://schemas.microsoft.com/office/drawing/2014/main" id="{E8F0EA9A-219C-40FD-AE36-784EE1B77D56}"/>
+              </a:ext>
+            </a:extLst>
+          </p:cNvPr>
+          <p:cNvSpPr>
+            <a:spLocks noGrp="1"/>
+          </p:cNvSpPr>
+          <p:nvPr>
+            <p:ph idx="1"/>
+          </p:nvPr>
+        </p:nvSpPr>
+        <p:spPr>
+          <a:xfrm>
+            <a:off x="838198" y="1530752"/>
+            <a:ext cx="10515601" cy="4646211"/>
+          </a:xfrm>
+        </p:spPr>
+        <p:txBody>
+          <a:bodyPr anchor="ctr">
+            <a:normAutofit/>
+          </a:bodyPr>
+          <a:lstStyle/>
+          <a:p>
+            <a:pPr marL="0" indent="0">
+              <a:spcAft>
+                <a:spcPts val="600"/>
+              </a:spcAft>
+              <a:buNone/>
+            </a:pPr>
+            <a:r>
+              <a:rPr lang="en-US" sz="3600" dirty="0"/>
+              <a:t>Agile Manifesto</a:t>
+            </a:r>
+          </a:p>
+          <a:p>
+            <a:pPr marL="0" indent="0">
+              <a:spcAft>
+                <a:spcPts val="600"/>
+              </a:spcAft>
+              <a:buNone/>
+            </a:pPr>
+            <a:r>
+              <a:rPr lang="en-US" sz="2000" dirty="0"/>
+              <a:t>“We are uncovering better ways of developing software by doing it and helping others do it. Through this work we have come to value: </a:t>
+            </a:r>
+          </a:p>
+          <a:p>
+            <a:pPr lvl="1"/>
+            <a:r>
+              <a:rPr lang="en-US" sz="2000" dirty="0"/>
+              <a:t>Individuals and interactions over processes and tools </a:t>
+            </a:r>
+          </a:p>
+          <a:p>
+            <a:pPr lvl="1"/>
+            <a:r>
+              <a:rPr lang="en-US" sz="2000" dirty="0"/>
+              <a:t>Working software over comprehensive documentation </a:t>
+            </a:r>
+          </a:p>
+          <a:p>
+            <a:pPr lvl="1"/>
+            <a:r>
+              <a:rPr lang="en-US" sz="2000" dirty="0"/>
+              <a:t>Customer collaboration over contract negotiation </a:t>
+            </a:r>
+          </a:p>
+          <a:p>
+            <a:pPr lvl="1"/>
+            <a:r>
+              <a:rPr lang="en-US" sz="2000" dirty="0"/>
+              <a:t>Responding to change over following a plan </a:t>
+            </a:r>
+          </a:p>
+          <a:p>
+            <a:pPr marL="0" indent="0">
+              <a:spcBef>
+                <a:spcPts val="1800"/>
+              </a:spcBef>
+              <a:buNone/>
+            </a:pPr>
+            <a:r>
+              <a:rPr lang="en-US" sz="2000" dirty="0"/>
+              <a:t>That is, while there is value in the items on the right, we value the items on the left more.”</a:t>
+            </a:r>
+          </a:p>
+        </p:txBody>
+      </p:sp>
+    </p:spTree>
+    <p:extLst>
+      <p:ext uri="{BB962C8B-B14F-4D97-AF65-F5344CB8AC3E}">
+        <p14:creationId xmlns:p14="http://schemas.microsoft.com/office/powerpoint/2010/main" val="2712942344"/>
+      </p:ext>
+    </p:extLst>
+  </p:cSld>
+  <p:clrMapOvr>
+    <a:masterClrMapping/>
+  </p:clrMapOvr>
+</p:sld>
+</file>
+
 <file path=ppt/slides/slide2.xml><?xml version="1.0" encoding="utf-8"?>
 <p:sld xmlns:a="http://schemas.openxmlformats.org/drawingml/2006/main" xmlns:r="http://schemas.openxmlformats.org/officeDocument/2006/relationships" xmlns:p="http://schemas.openxmlformats.org/presentationml/2006/main">
   <p:cSld>
@@ -6834,6 +7079,14 @@
 <file path=ppt/slides/slide3.xml><?xml version="1.0" encoding="utf-8"?>
 <p:sld xmlns:a="http://schemas.openxmlformats.org/drawingml/2006/main" xmlns:r="http://schemas.openxmlformats.org/officeDocument/2006/relationships" xmlns:p="http://schemas.openxmlformats.org/presentationml/2006/main">
   <p:cSld>
+    <p:bg>
+      <p:bgPr>
+        <a:solidFill>
+          <a:schemeClr val="bg1"/>
+        </a:solidFill>
+        <a:effectLst/>
+      </p:bgPr>
+    </p:bg>
     <p:spTree>
       <p:nvGrpSpPr>
         <p:cNvPr id="1" name=""/>
@@ -6866,118 +7119,55 @@
         </p:nvSpPr>
         <p:spPr>
           <a:xfrm>
-            <a:off x="838200" y="365125"/>
-            <a:ext cx="10515600" cy="1325563"/>
+            <a:off x="6820075" y="833369"/>
+            <a:ext cx="5476002" cy="1463781"/>
           </a:xfrm>
+          <a:noFill/>
         </p:spPr>
         <p:txBody>
-          <a:bodyPr>
-            <a:normAutofit/>
+          <a:bodyPr vert="horz" lIns="91440" tIns="45720" rIns="91440" bIns="45720" rtlCol="0" anchor="b">
+            <a:noAutofit/>
           </a:bodyPr>
           <a:lstStyle/>
           <a:p>
             <a:r>
-              <a:rPr lang="en-US" sz="3600" dirty="0">
-                <a:latin typeface="+mn-lt"/>
-              </a:rPr>
+              <a:rPr lang="en-US" sz="4800" dirty="0"/>
               <a:t>Today’s “Friendly Conversation” topic</a:t>
             </a:r>
           </a:p>
         </p:txBody>
       </p:sp>
-      <p:sp>
-        <p:nvSpPr>
-          <p:cNvPr id="5" name="Content Placeholder 2">
-            <a:extLst>
-              <a:ext uri="{FF2B5EF4-FFF2-40B4-BE49-F238E27FC236}">
-                <a16:creationId xmlns:a16="http://schemas.microsoft.com/office/drawing/2014/main" id="{E8F0EA9A-219C-40FD-AE36-784EE1B77D56}"/>
-              </a:ext>
-            </a:extLst>
-          </p:cNvPr>
-          <p:cNvSpPr>
-            <a:spLocks noGrp="1"/>
-          </p:cNvSpPr>
-          <p:nvPr>
-            <p:ph idx="1"/>
-          </p:nvPr>
-        </p:nvSpPr>
+      <p:pic>
+        <p:nvPicPr>
+          <p:cNvPr id="6" name="Picture 5">
+            <a:extLst>
+              <a:ext uri="{FF2B5EF4-FFF2-40B4-BE49-F238E27FC236}">
+                <a16:creationId xmlns:a16="http://schemas.microsoft.com/office/drawing/2014/main" id="{7FDA2849-5AD7-4C4F-A3AD-36172F84681E}"/>
+              </a:ext>
+            </a:extLst>
+          </p:cNvPr>
+          <p:cNvPicPr>
+            <a:picLocks noChangeAspect="1"/>
+          </p:cNvPicPr>
+          <p:nvPr/>
+        </p:nvPicPr>
+        <p:blipFill rotWithShape="1">
+          <a:blip r:embed="rId3">
+            <a:extLst/>
+          </a:blip>
+          <a:srcRect t="1503" r="-3" b="5267"/>
+          <a:stretch/>
+        </p:blipFill>
         <p:spPr>
           <a:xfrm>
-            <a:off x="838198" y="1530752"/>
-            <a:ext cx="10515601" cy="4646211"/>
+            <a:off x="20" y="10"/>
+            <a:ext cx="6105635" cy="6857990"/>
           </a:xfrm>
+          <a:prstGeom prst="rect">
+            <a:avLst/>
+          </a:prstGeom>
         </p:spPr>
-        <p:txBody>
-          <a:bodyPr anchor="ctr">
-            <a:normAutofit/>
-          </a:bodyPr>
-          <a:lstStyle/>
-          <a:p>
-            <a:pPr marL="0" indent="0">
-              <a:spcAft>
-                <a:spcPts val="600"/>
-              </a:spcAft>
-              <a:buNone/>
-            </a:pPr>
-            <a:r>
-              <a:rPr lang="en-US" sz="3600" dirty="0"/>
-              <a:t>Agile Manifesto</a:t>
-            </a:r>
-          </a:p>
-          <a:p>
-            <a:pPr marL="0" indent="0">
-              <a:spcAft>
-                <a:spcPts val="600"/>
-              </a:spcAft>
-              <a:buNone/>
-            </a:pPr>
-            <a:r>
-              <a:rPr lang="en-US" sz="2000" dirty="0"/>
-              <a:t>“We are uncovering better ways of developing software by doing it and helping others do it. Through this work we have come to value: </a:t>
-            </a:r>
-          </a:p>
-          <a:p>
-            <a:pPr lvl="1"/>
-            <a:r>
-              <a:rPr lang="en-US" sz="2000" dirty="0"/>
-              <a:t>Individuals and interactions over processes and tools </a:t>
-            </a:r>
-          </a:p>
-          <a:p>
-            <a:pPr lvl="1"/>
-            <a:r>
-              <a:rPr lang="en-US" sz="2000" dirty="0"/>
-              <a:t>Working software over comprehensive documentation </a:t>
-            </a:r>
-          </a:p>
-          <a:p>
-            <a:pPr lvl="1"/>
-            <a:r>
-              <a:rPr lang="en-US" sz="2000" dirty="0"/>
-              <a:t>Customer collaboration over contract negotiation </a:t>
-            </a:r>
-          </a:p>
-          <a:p>
-            <a:pPr lvl="1"/>
-            <a:r>
-              <a:rPr lang="en-US" sz="2000" dirty="0"/>
-              <a:t>Responding to change over following a plan </a:t>
-            </a:r>
-          </a:p>
-          <a:p>
-            <a:pPr marL="0" indent="0">
-              <a:spcBef>
-                <a:spcPts val="1800"/>
-              </a:spcBef>
-              <a:buNone/>
-            </a:pPr>
-            <a:r>
-              <a:rPr lang="en-US" sz="2000" dirty="0"/>
-              <a:t>That is, while there is value in the items on the right, we value the items on the left more.”</a:t>
-            </a:r>
-          </a:p>
-        </p:txBody>
-      </p:sp>
+      </p:pic>
     </p:spTree>
     <p:extLst>
       <p:ext uri="{BB962C8B-B14F-4D97-AF65-F5344CB8AC3E}">

--- a/lecture-presentations/2019-01-15.pptx
+++ b/lecture-presentations/2019-01-15.pptx
@@ -5175,7 +5175,7 @@
             </a:pPr>
             <a:r>
               <a:rPr lang="en-US" sz="2200" dirty="0"/>
-              <a:t>Agenda for Tuesday, January 15 from 2 to 315pm CST:</a:t>
+              <a:t>Agenda for Tuesday, January 15 from 2 to 3:15pm CST:</a:t>
             </a:r>
           </a:p>
           <a:p>
@@ -5502,7 +5502,7 @@
             </a:pPr>
             <a:r>
               <a:rPr lang="en-US" sz="2200" dirty="0"/>
-              <a:t>Agenda for Tuesday, January 15 from 2 to 315pm CST:</a:t>
+              <a:t>Agenda for Tuesday, January 15 from 2 to 3:15pm CST:</a:t>
             </a:r>
           </a:p>
           <a:p>
@@ -5952,7 +5952,7 @@
             </a:pPr>
             <a:r>
               <a:rPr lang="en-US" sz="2000" dirty="0"/>
-              <a:t>Complete your turn for Introductions and Name Cards</a:t>
+              <a:t>Complete your Introductions and Name Cards</a:t>
             </a:r>
           </a:p>
           <a:p>
